--- a/fig_source/outline.pptx
+++ b/fig_source/outline.pptx
@@ -2,12 +2,12 @@
 <file path=ppt/presentation.xml><?xml version="1.0" encoding="utf-8"?>
 <p:presentation xmlns:a="http://schemas.openxmlformats.org/drawingml/2006/main" xmlns:r="http://schemas.openxmlformats.org/officeDocument/2006/relationships" xmlns:p="http://schemas.openxmlformats.org/presentationml/2006/main" saveSubsetFonts="1">
   <p:sldMasterIdLst>
-    <p:sldMasterId id="2147483744" r:id="rId1"/>
+    <p:sldMasterId id="2147483756" r:id="rId1"/>
   </p:sldMasterIdLst>
   <p:sldIdLst>
     <p:sldId id="256" r:id="rId2"/>
   </p:sldIdLst>
-  <p:sldSz cx="8504238" cy="3382963"/>
+  <p:sldSz cx="8504238" cy="3657600"/>
   <p:notesSz cx="6858000" cy="9144000"/>
   <p:defaultTextStyle>
     <a:defPPr>
@@ -141,15 +141,15 @@
         </p:nvSpPr>
         <p:spPr>
           <a:xfrm>
-            <a:off x="1063030" y="553647"/>
-            <a:ext cx="6378179" cy="1177772"/>
+            <a:off x="1063030" y="598593"/>
+            <a:ext cx="6378179" cy="1273387"/>
           </a:xfrm>
         </p:spPr>
         <p:txBody>
           <a:bodyPr anchor="b"/>
           <a:lstStyle>
             <a:lvl1pPr algn="ctr">
-              <a:defRPr sz="2960"/>
+              <a:defRPr sz="3200"/>
             </a:lvl1pPr>
           </a:lstStyle>
           <a:p>
@@ -173,8 +173,8 @@
         </p:nvSpPr>
         <p:spPr>
           <a:xfrm>
-            <a:off x="1063030" y="1776839"/>
-            <a:ext cx="6378179" cy="816766"/>
+            <a:off x="1063030" y="1921087"/>
+            <a:ext cx="6378179" cy="883073"/>
           </a:xfrm>
         </p:spPr>
         <p:txBody>
@@ -182,39 +182,39 @@
           <a:lstStyle>
             <a:lvl1pPr marL="0" indent="0" algn="ctr">
               <a:buNone/>
-              <a:defRPr sz="1184"/>
+              <a:defRPr sz="1280"/>
             </a:lvl1pPr>
-            <a:lvl2pPr marL="225537" indent="0" algn="ctr">
-              <a:buNone/>
-              <a:defRPr sz="987"/>
+            <a:lvl2pPr marL="243825" indent="0" algn="ctr">
+              <a:buNone/>
+              <a:defRPr sz="1067"/>
             </a:lvl2pPr>
-            <a:lvl3pPr marL="451074" indent="0" algn="ctr">
-              <a:buNone/>
-              <a:defRPr sz="888"/>
+            <a:lvl3pPr marL="487650" indent="0" algn="ctr">
+              <a:buNone/>
+              <a:defRPr sz="960"/>
             </a:lvl3pPr>
-            <a:lvl4pPr marL="676610" indent="0" algn="ctr">
-              <a:buNone/>
-              <a:defRPr sz="789"/>
+            <a:lvl4pPr marL="731474" indent="0" algn="ctr">
+              <a:buNone/>
+              <a:defRPr sz="853"/>
             </a:lvl4pPr>
-            <a:lvl5pPr marL="902147" indent="0" algn="ctr">
-              <a:buNone/>
-              <a:defRPr sz="789"/>
+            <a:lvl5pPr marL="975299" indent="0" algn="ctr">
+              <a:buNone/>
+              <a:defRPr sz="853"/>
             </a:lvl5pPr>
-            <a:lvl6pPr marL="1127684" indent="0" algn="ctr">
-              <a:buNone/>
-              <a:defRPr sz="789"/>
+            <a:lvl6pPr marL="1219124" indent="0" algn="ctr">
+              <a:buNone/>
+              <a:defRPr sz="853"/>
             </a:lvl6pPr>
-            <a:lvl7pPr marL="1353221" indent="0" algn="ctr">
-              <a:buNone/>
-              <a:defRPr sz="789"/>
+            <a:lvl7pPr marL="1462949" indent="0" algn="ctr">
+              <a:buNone/>
+              <a:defRPr sz="853"/>
             </a:lvl7pPr>
-            <a:lvl8pPr marL="1578757" indent="0" algn="ctr">
-              <a:buNone/>
-              <a:defRPr sz="789"/>
+            <a:lvl8pPr marL="1706773" indent="0" algn="ctr">
+              <a:buNone/>
+              <a:defRPr sz="853"/>
             </a:lvl8pPr>
-            <a:lvl9pPr marL="1804294" indent="0" algn="ctr">
-              <a:buNone/>
-              <a:defRPr sz="789"/>
+            <a:lvl9pPr marL="1950598" indent="0" algn="ctr">
+              <a:buNone/>
+              <a:defRPr sz="853"/>
             </a:lvl9pPr>
           </a:lstStyle>
           <a:p>
@@ -243,7 +243,7 @@
           <a:p>
             <a:fld id="{57820DD9-BB6F-415E-9182-867DA1C5F9FA}" type="datetimeFigureOut">
               <a:rPr lang="en-US" smtClean="0"/>
-              <a:t>21-Aug-25</a:t>
+              <a:t>27-Aug-25</a:t>
             </a:fld>
             <a:endParaRPr lang="en-US"/>
           </a:p>
@@ -294,7 +294,7 @@
     </p:spTree>
     <p:extLst>
       <p:ext uri="{BB962C8B-B14F-4D97-AF65-F5344CB8AC3E}">
-        <p14:creationId xmlns:p14="http://schemas.microsoft.com/office/powerpoint/2010/main" val="4095701979"/>
+        <p14:creationId xmlns:p14="http://schemas.microsoft.com/office/powerpoint/2010/main" val="3417122655"/>
       </p:ext>
     </p:extLst>
   </p:cSld>
@@ -413,7 +413,7 @@
           <a:p>
             <a:fld id="{57820DD9-BB6F-415E-9182-867DA1C5F9FA}" type="datetimeFigureOut">
               <a:rPr lang="en-US" smtClean="0"/>
-              <a:t>21-Aug-25</a:t>
+              <a:t>27-Aug-25</a:t>
             </a:fld>
             <a:endParaRPr lang="en-US"/>
           </a:p>
@@ -464,7 +464,7 @@
     </p:spTree>
     <p:extLst>
       <p:ext uri="{BB962C8B-B14F-4D97-AF65-F5344CB8AC3E}">
-        <p14:creationId xmlns:p14="http://schemas.microsoft.com/office/powerpoint/2010/main" val="4187059613"/>
+        <p14:creationId xmlns:p14="http://schemas.microsoft.com/office/powerpoint/2010/main" val="1090420119"/>
       </p:ext>
     </p:extLst>
   </p:cSld>
@@ -503,8 +503,8 @@
         </p:nvSpPr>
         <p:spPr>
           <a:xfrm>
-            <a:off x="6085845" y="180111"/>
-            <a:ext cx="1833726" cy="2866905"/>
+            <a:off x="6085845" y="194733"/>
+            <a:ext cx="1833726" cy="3099647"/>
           </a:xfrm>
         </p:spPr>
         <p:txBody>
@@ -531,8 +531,8 @@
         </p:nvSpPr>
         <p:spPr>
           <a:xfrm>
-            <a:off x="584666" y="180111"/>
-            <a:ext cx="5394876" cy="2866905"/>
+            <a:off x="584666" y="194733"/>
+            <a:ext cx="5394876" cy="3099647"/>
           </a:xfrm>
         </p:spPr>
         <p:txBody>
@@ -593,7 +593,7 @@
           <a:p>
             <a:fld id="{57820DD9-BB6F-415E-9182-867DA1C5F9FA}" type="datetimeFigureOut">
               <a:rPr lang="en-US" smtClean="0"/>
-              <a:t>21-Aug-25</a:t>
+              <a:t>27-Aug-25</a:t>
             </a:fld>
             <a:endParaRPr lang="en-US"/>
           </a:p>
@@ -644,7 +644,7 @@
     </p:spTree>
     <p:extLst>
       <p:ext uri="{BB962C8B-B14F-4D97-AF65-F5344CB8AC3E}">
-        <p14:creationId xmlns:p14="http://schemas.microsoft.com/office/powerpoint/2010/main" val="1353372399"/>
+        <p14:creationId xmlns:p14="http://schemas.microsoft.com/office/powerpoint/2010/main" val="4127723854"/>
       </p:ext>
     </p:extLst>
   </p:cSld>
@@ -763,7 +763,7 @@
           <a:p>
             <a:fld id="{57820DD9-BB6F-415E-9182-867DA1C5F9FA}" type="datetimeFigureOut">
               <a:rPr lang="en-US" smtClean="0"/>
-              <a:t>21-Aug-25</a:t>
+              <a:t>27-Aug-25</a:t>
             </a:fld>
             <a:endParaRPr lang="en-US"/>
           </a:p>
@@ -814,7 +814,7 @@
     </p:spTree>
     <p:extLst>
       <p:ext uri="{BB962C8B-B14F-4D97-AF65-F5344CB8AC3E}">
-        <p14:creationId xmlns:p14="http://schemas.microsoft.com/office/powerpoint/2010/main" val="413371799"/>
+        <p14:creationId xmlns:p14="http://schemas.microsoft.com/office/powerpoint/2010/main" val="3289328284"/>
       </p:ext>
     </p:extLst>
   </p:cSld>
@@ -853,15 +853,15 @@
         </p:nvSpPr>
         <p:spPr>
           <a:xfrm>
-            <a:off x="580237" y="843392"/>
-            <a:ext cx="7334905" cy="1407218"/>
+            <a:off x="580237" y="911860"/>
+            <a:ext cx="7334905" cy="1521460"/>
           </a:xfrm>
         </p:spPr>
         <p:txBody>
           <a:bodyPr anchor="b"/>
           <a:lstStyle>
             <a:lvl1pPr>
-              <a:defRPr sz="2960"/>
+              <a:defRPr sz="3200"/>
             </a:lvl1pPr>
           </a:lstStyle>
           <a:p>
@@ -885,8 +885,8 @@
         </p:nvSpPr>
         <p:spPr>
           <a:xfrm>
-            <a:off x="580237" y="2263923"/>
-            <a:ext cx="7334905" cy="740023"/>
+            <a:off x="580237" y="2447714"/>
+            <a:ext cx="7334905" cy="800100"/>
           </a:xfrm>
         </p:spPr>
         <p:txBody>
@@ -894,7 +894,7 @@
           <a:lstStyle>
             <a:lvl1pPr marL="0" indent="0">
               <a:buNone/>
-              <a:defRPr sz="1184">
+              <a:defRPr sz="1280">
                 <a:solidFill>
                   <a:schemeClr val="tx1">
                     <a:tint val="82000"/>
@@ -902,9 +902,9 @@
                 </a:solidFill>
               </a:defRPr>
             </a:lvl1pPr>
-            <a:lvl2pPr marL="225537" indent="0">
-              <a:buNone/>
-              <a:defRPr sz="987">
+            <a:lvl2pPr marL="243825" indent="0">
+              <a:buNone/>
+              <a:defRPr sz="1067">
                 <a:solidFill>
                   <a:schemeClr val="tx1">
                     <a:tint val="82000"/>
@@ -912,9 +912,9 @@
                 </a:solidFill>
               </a:defRPr>
             </a:lvl2pPr>
-            <a:lvl3pPr marL="451074" indent="0">
-              <a:buNone/>
-              <a:defRPr sz="888">
+            <a:lvl3pPr marL="487650" indent="0">
+              <a:buNone/>
+              <a:defRPr sz="960">
                 <a:solidFill>
                   <a:schemeClr val="tx1">
                     <a:tint val="82000"/>
@@ -922,9 +922,9 @@
                 </a:solidFill>
               </a:defRPr>
             </a:lvl3pPr>
-            <a:lvl4pPr marL="676610" indent="0">
-              <a:buNone/>
-              <a:defRPr sz="789">
+            <a:lvl4pPr marL="731474" indent="0">
+              <a:buNone/>
+              <a:defRPr sz="853">
                 <a:solidFill>
                   <a:schemeClr val="tx1">
                     <a:tint val="82000"/>
@@ -932,9 +932,9 @@
                 </a:solidFill>
               </a:defRPr>
             </a:lvl4pPr>
-            <a:lvl5pPr marL="902147" indent="0">
-              <a:buNone/>
-              <a:defRPr sz="789">
+            <a:lvl5pPr marL="975299" indent="0">
+              <a:buNone/>
+              <a:defRPr sz="853">
                 <a:solidFill>
                   <a:schemeClr val="tx1">
                     <a:tint val="82000"/>
@@ -942,9 +942,9 @@
                 </a:solidFill>
               </a:defRPr>
             </a:lvl5pPr>
-            <a:lvl6pPr marL="1127684" indent="0">
-              <a:buNone/>
-              <a:defRPr sz="789">
+            <a:lvl6pPr marL="1219124" indent="0">
+              <a:buNone/>
+              <a:defRPr sz="853">
                 <a:solidFill>
                   <a:schemeClr val="tx1">
                     <a:tint val="82000"/>
@@ -952,9 +952,9 @@
                 </a:solidFill>
               </a:defRPr>
             </a:lvl6pPr>
-            <a:lvl7pPr marL="1353221" indent="0">
-              <a:buNone/>
-              <a:defRPr sz="789">
+            <a:lvl7pPr marL="1462949" indent="0">
+              <a:buNone/>
+              <a:defRPr sz="853">
                 <a:solidFill>
                   <a:schemeClr val="tx1">
                     <a:tint val="82000"/>
@@ -962,9 +962,9 @@
                 </a:solidFill>
               </a:defRPr>
             </a:lvl7pPr>
-            <a:lvl8pPr marL="1578757" indent="0">
-              <a:buNone/>
-              <a:defRPr sz="789">
+            <a:lvl8pPr marL="1706773" indent="0">
+              <a:buNone/>
+              <a:defRPr sz="853">
                 <a:solidFill>
                   <a:schemeClr val="tx1">
                     <a:tint val="82000"/>
@@ -972,9 +972,9 @@
                 </a:solidFill>
               </a:defRPr>
             </a:lvl8pPr>
-            <a:lvl9pPr marL="1804294" indent="0">
-              <a:buNone/>
-              <a:defRPr sz="789">
+            <a:lvl9pPr marL="1950598" indent="0">
+              <a:buNone/>
+              <a:defRPr sz="853">
                 <a:solidFill>
                   <a:schemeClr val="tx1">
                     <a:tint val="82000"/>
@@ -1009,7 +1009,7 @@
           <a:p>
             <a:fld id="{57820DD9-BB6F-415E-9182-867DA1C5F9FA}" type="datetimeFigureOut">
               <a:rPr lang="en-US" smtClean="0"/>
-              <a:t>21-Aug-25</a:t>
+              <a:t>27-Aug-25</a:t>
             </a:fld>
             <a:endParaRPr lang="en-US"/>
           </a:p>
@@ -1060,7 +1060,7 @@
     </p:spTree>
     <p:extLst>
       <p:ext uri="{BB962C8B-B14F-4D97-AF65-F5344CB8AC3E}">
-        <p14:creationId xmlns:p14="http://schemas.microsoft.com/office/powerpoint/2010/main" val="4129512837"/>
+        <p14:creationId xmlns:p14="http://schemas.microsoft.com/office/powerpoint/2010/main" val="2194496888"/>
       </p:ext>
     </p:extLst>
   </p:cSld>
@@ -1122,8 +1122,8 @@
         </p:nvSpPr>
         <p:spPr>
           <a:xfrm>
-            <a:off x="584666" y="900557"/>
-            <a:ext cx="3614301" cy="2146459"/>
+            <a:off x="584666" y="973666"/>
+            <a:ext cx="3614301" cy="2320714"/>
           </a:xfrm>
         </p:spPr>
         <p:txBody>
@@ -1179,8 +1179,8 @@
         </p:nvSpPr>
         <p:spPr>
           <a:xfrm>
-            <a:off x="4305271" y="900557"/>
-            <a:ext cx="3614301" cy="2146459"/>
+            <a:off x="4305271" y="973666"/>
+            <a:ext cx="3614301" cy="2320714"/>
           </a:xfrm>
         </p:spPr>
         <p:txBody>
@@ -1241,7 +1241,7 @@
           <a:p>
             <a:fld id="{57820DD9-BB6F-415E-9182-867DA1C5F9FA}" type="datetimeFigureOut">
               <a:rPr lang="en-US" smtClean="0"/>
-              <a:t>21-Aug-25</a:t>
+              <a:t>27-Aug-25</a:t>
             </a:fld>
             <a:endParaRPr lang="en-US"/>
           </a:p>
@@ -1292,7 +1292,7 @@
     </p:spTree>
     <p:extLst>
       <p:ext uri="{BB962C8B-B14F-4D97-AF65-F5344CB8AC3E}">
-        <p14:creationId xmlns:p14="http://schemas.microsoft.com/office/powerpoint/2010/main" val="2413395798"/>
+        <p14:creationId xmlns:p14="http://schemas.microsoft.com/office/powerpoint/2010/main" val="1348067514"/>
       </p:ext>
     </p:extLst>
   </p:cSld>
@@ -1331,8 +1331,8 @@
         </p:nvSpPr>
         <p:spPr>
           <a:xfrm>
-            <a:off x="585774" y="180112"/>
-            <a:ext cx="7334905" cy="653883"/>
+            <a:off x="585774" y="194734"/>
+            <a:ext cx="7334905" cy="706967"/>
           </a:xfrm>
         </p:spPr>
         <p:txBody>
@@ -1359,8 +1359,8 @@
         </p:nvSpPr>
         <p:spPr>
           <a:xfrm>
-            <a:off x="585774" y="829296"/>
-            <a:ext cx="3597691" cy="406425"/>
+            <a:off x="585774" y="896620"/>
+            <a:ext cx="3597691" cy="439420"/>
           </a:xfrm>
         </p:spPr>
         <p:txBody>
@@ -1368,39 +1368,39 @@
           <a:lstStyle>
             <a:lvl1pPr marL="0" indent="0">
               <a:buNone/>
-              <a:defRPr sz="1184" b="1"/>
+              <a:defRPr sz="1280" b="1"/>
             </a:lvl1pPr>
-            <a:lvl2pPr marL="225537" indent="0">
-              <a:buNone/>
-              <a:defRPr sz="987" b="1"/>
+            <a:lvl2pPr marL="243825" indent="0">
+              <a:buNone/>
+              <a:defRPr sz="1067" b="1"/>
             </a:lvl2pPr>
-            <a:lvl3pPr marL="451074" indent="0">
-              <a:buNone/>
-              <a:defRPr sz="888" b="1"/>
+            <a:lvl3pPr marL="487650" indent="0">
+              <a:buNone/>
+              <a:defRPr sz="960" b="1"/>
             </a:lvl3pPr>
-            <a:lvl4pPr marL="676610" indent="0">
-              <a:buNone/>
-              <a:defRPr sz="789" b="1"/>
+            <a:lvl4pPr marL="731474" indent="0">
+              <a:buNone/>
+              <a:defRPr sz="853" b="1"/>
             </a:lvl4pPr>
-            <a:lvl5pPr marL="902147" indent="0">
-              <a:buNone/>
-              <a:defRPr sz="789" b="1"/>
+            <a:lvl5pPr marL="975299" indent="0">
+              <a:buNone/>
+              <a:defRPr sz="853" b="1"/>
             </a:lvl5pPr>
-            <a:lvl6pPr marL="1127684" indent="0">
-              <a:buNone/>
-              <a:defRPr sz="789" b="1"/>
+            <a:lvl6pPr marL="1219124" indent="0">
+              <a:buNone/>
+              <a:defRPr sz="853" b="1"/>
             </a:lvl6pPr>
-            <a:lvl7pPr marL="1353221" indent="0">
-              <a:buNone/>
-              <a:defRPr sz="789" b="1"/>
+            <a:lvl7pPr marL="1462949" indent="0">
+              <a:buNone/>
+              <a:defRPr sz="853" b="1"/>
             </a:lvl7pPr>
-            <a:lvl8pPr marL="1578757" indent="0">
-              <a:buNone/>
-              <a:defRPr sz="789" b="1"/>
+            <a:lvl8pPr marL="1706773" indent="0">
+              <a:buNone/>
+              <a:defRPr sz="853" b="1"/>
             </a:lvl8pPr>
-            <a:lvl9pPr marL="1804294" indent="0">
-              <a:buNone/>
-              <a:defRPr sz="789" b="1"/>
+            <a:lvl9pPr marL="1950598" indent="0">
+              <a:buNone/>
+              <a:defRPr sz="853" b="1"/>
             </a:lvl9pPr>
           </a:lstStyle>
           <a:p>
@@ -1424,8 +1424,8 @@
         </p:nvSpPr>
         <p:spPr>
           <a:xfrm>
-            <a:off x="585774" y="1235721"/>
-            <a:ext cx="3597691" cy="1817560"/>
+            <a:off x="585774" y="1336040"/>
+            <a:ext cx="3597691" cy="1965114"/>
           </a:xfrm>
         </p:spPr>
         <p:txBody>
@@ -1481,8 +1481,8 @@
         </p:nvSpPr>
         <p:spPr>
           <a:xfrm>
-            <a:off x="4305270" y="829296"/>
-            <a:ext cx="3615409" cy="406425"/>
+            <a:off x="4305270" y="896620"/>
+            <a:ext cx="3615409" cy="439420"/>
           </a:xfrm>
         </p:spPr>
         <p:txBody>
@@ -1490,39 +1490,39 @@
           <a:lstStyle>
             <a:lvl1pPr marL="0" indent="0">
               <a:buNone/>
-              <a:defRPr sz="1184" b="1"/>
+              <a:defRPr sz="1280" b="1"/>
             </a:lvl1pPr>
-            <a:lvl2pPr marL="225537" indent="0">
-              <a:buNone/>
-              <a:defRPr sz="987" b="1"/>
+            <a:lvl2pPr marL="243825" indent="0">
+              <a:buNone/>
+              <a:defRPr sz="1067" b="1"/>
             </a:lvl2pPr>
-            <a:lvl3pPr marL="451074" indent="0">
-              <a:buNone/>
-              <a:defRPr sz="888" b="1"/>
+            <a:lvl3pPr marL="487650" indent="0">
+              <a:buNone/>
+              <a:defRPr sz="960" b="1"/>
             </a:lvl3pPr>
-            <a:lvl4pPr marL="676610" indent="0">
-              <a:buNone/>
-              <a:defRPr sz="789" b="1"/>
+            <a:lvl4pPr marL="731474" indent="0">
+              <a:buNone/>
+              <a:defRPr sz="853" b="1"/>
             </a:lvl4pPr>
-            <a:lvl5pPr marL="902147" indent="0">
-              <a:buNone/>
-              <a:defRPr sz="789" b="1"/>
+            <a:lvl5pPr marL="975299" indent="0">
+              <a:buNone/>
+              <a:defRPr sz="853" b="1"/>
             </a:lvl5pPr>
-            <a:lvl6pPr marL="1127684" indent="0">
-              <a:buNone/>
-              <a:defRPr sz="789" b="1"/>
+            <a:lvl6pPr marL="1219124" indent="0">
+              <a:buNone/>
+              <a:defRPr sz="853" b="1"/>
             </a:lvl6pPr>
-            <a:lvl7pPr marL="1353221" indent="0">
-              <a:buNone/>
-              <a:defRPr sz="789" b="1"/>
+            <a:lvl7pPr marL="1462949" indent="0">
+              <a:buNone/>
+              <a:defRPr sz="853" b="1"/>
             </a:lvl7pPr>
-            <a:lvl8pPr marL="1578757" indent="0">
-              <a:buNone/>
-              <a:defRPr sz="789" b="1"/>
+            <a:lvl8pPr marL="1706773" indent="0">
+              <a:buNone/>
+              <a:defRPr sz="853" b="1"/>
             </a:lvl8pPr>
-            <a:lvl9pPr marL="1804294" indent="0">
-              <a:buNone/>
-              <a:defRPr sz="789" b="1"/>
+            <a:lvl9pPr marL="1950598" indent="0">
+              <a:buNone/>
+              <a:defRPr sz="853" b="1"/>
             </a:lvl9pPr>
           </a:lstStyle>
           <a:p>
@@ -1546,8 +1546,8 @@
         </p:nvSpPr>
         <p:spPr>
           <a:xfrm>
-            <a:off x="4305270" y="1235721"/>
-            <a:ext cx="3615409" cy="1817560"/>
+            <a:off x="4305270" y="1336040"/>
+            <a:ext cx="3615409" cy="1965114"/>
           </a:xfrm>
         </p:spPr>
         <p:txBody>
@@ -1608,7 +1608,7 @@
           <a:p>
             <a:fld id="{57820DD9-BB6F-415E-9182-867DA1C5F9FA}" type="datetimeFigureOut">
               <a:rPr lang="en-US" smtClean="0"/>
-              <a:t>21-Aug-25</a:t>
+              <a:t>27-Aug-25</a:t>
             </a:fld>
             <a:endParaRPr lang="en-US"/>
           </a:p>
@@ -1659,7 +1659,7 @@
     </p:spTree>
     <p:extLst>
       <p:ext uri="{BB962C8B-B14F-4D97-AF65-F5344CB8AC3E}">
-        <p14:creationId xmlns:p14="http://schemas.microsoft.com/office/powerpoint/2010/main" val="3674891250"/>
+        <p14:creationId xmlns:p14="http://schemas.microsoft.com/office/powerpoint/2010/main" val="4135210741"/>
       </p:ext>
     </p:extLst>
   </p:cSld>
@@ -1726,7 +1726,7 @@
           <a:p>
             <a:fld id="{57820DD9-BB6F-415E-9182-867DA1C5F9FA}" type="datetimeFigureOut">
               <a:rPr lang="en-US" smtClean="0"/>
-              <a:t>21-Aug-25</a:t>
+              <a:t>27-Aug-25</a:t>
             </a:fld>
             <a:endParaRPr lang="en-US"/>
           </a:p>
@@ -1777,7 +1777,7 @@
     </p:spTree>
     <p:extLst>
       <p:ext uri="{BB962C8B-B14F-4D97-AF65-F5344CB8AC3E}">
-        <p14:creationId xmlns:p14="http://schemas.microsoft.com/office/powerpoint/2010/main" val="3057307882"/>
+        <p14:creationId xmlns:p14="http://schemas.microsoft.com/office/powerpoint/2010/main" val="2164864699"/>
       </p:ext>
     </p:extLst>
   </p:cSld>
@@ -1821,7 +1821,7 @@
           <a:p>
             <a:fld id="{57820DD9-BB6F-415E-9182-867DA1C5F9FA}" type="datetimeFigureOut">
               <a:rPr lang="en-US" smtClean="0"/>
-              <a:t>21-Aug-25</a:t>
+              <a:t>27-Aug-25</a:t>
             </a:fld>
             <a:endParaRPr lang="en-US"/>
           </a:p>
@@ -1872,7 +1872,7 @@
     </p:spTree>
     <p:extLst>
       <p:ext uri="{BB962C8B-B14F-4D97-AF65-F5344CB8AC3E}">
-        <p14:creationId xmlns:p14="http://schemas.microsoft.com/office/powerpoint/2010/main" val="974524903"/>
+        <p14:creationId xmlns:p14="http://schemas.microsoft.com/office/powerpoint/2010/main" val="2216288340"/>
       </p:ext>
     </p:extLst>
   </p:cSld>
@@ -1911,15 +1911,15 @@
         </p:nvSpPr>
         <p:spPr>
           <a:xfrm>
-            <a:off x="585774" y="225531"/>
-            <a:ext cx="2742838" cy="789358"/>
+            <a:off x="585774" y="243840"/>
+            <a:ext cx="2742838" cy="853440"/>
           </a:xfrm>
         </p:spPr>
         <p:txBody>
           <a:bodyPr anchor="b"/>
           <a:lstStyle>
             <a:lvl1pPr>
-              <a:defRPr sz="1579"/>
+              <a:defRPr sz="1707"/>
             </a:lvl1pPr>
           </a:lstStyle>
           <a:p>
@@ -1943,39 +1943,39 @@
         </p:nvSpPr>
         <p:spPr>
           <a:xfrm>
-            <a:off x="3615409" y="487084"/>
-            <a:ext cx="4305270" cy="2404096"/>
+            <a:off x="3615409" y="526627"/>
+            <a:ext cx="4305270" cy="2599267"/>
           </a:xfrm>
         </p:spPr>
         <p:txBody>
           <a:bodyPr/>
           <a:lstStyle>
             <a:lvl1pPr>
-              <a:defRPr sz="1579"/>
+              <a:defRPr sz="1707"/>
             </a:lvl1pPr>
             <a:lvl2pPr>
-              <a:defRPr sz="1381"/>
+              <a:defRPr sz="1493"/>
             </a:lvl2pPr>
             <a:lvl3pPr>
-              <a:defRPr sz="1184"/>
+              <a:defRPr sz="1280"/>
             </a:lvl3pPr>
             <a:lvl4pPr>
-              <a:defRPr sz="987"/>
+              <a:defRPr sz="1067"/>
             </a:lvl4pPr>
             <a:lvl5pPr>
-              <a:defRPr sz="987"/>
+              <a:defRPr sz="1067"/>
             </a:lvl5pPr>
             <a:lvl6pPr>
-              <a:defRPr sz="987"/>
+              <a:defRPr sz="1067"/>
             </a:lvl6pPr>
             <a:lvl7pPr>
-              <a:defRPr sz="987"/>
+              <a:defRPr sz="1067"/>
             </a:lvl7pPr>
             <a:lvl8pPr>
-              <a:defRPr sz="987"/>
+              <a:defRPr sz="1067"/>
             </a:lvl8pPr>
             <a:lvl9pPr>
-              <a:defRPr sz="987"/>
+              <a:defRPr sz="1067"/>
             </a:lvl9pPr>
           </a:lstStyle>
           <a:p>
@@ -2028,8 +2028,8 @@
         </p:nvSpPr>
         <p:spPr>
           <a:xfrm>
-            <a:off x="585774" y="1014889"/>
-            <a:ext cx="2742838" cy="1880207"/>
+            <a:off x="585774" y="1097280"/>
+            <a:ext cx="2742838" cy="2032847"/>
           </a:xfrm>
         </p:spPr>
         <p:txBody>
@@ -2037,39 +2037,39 @@
           <a:lstStyle>
             <a:lvl1pPr marL="0" indent="0">
               <a:buNone/>
-              <a:defRPr sz="789"/>
+              <a:defRPr sz="853"/>
             </a:lvl1pPr>
-            <a:lvl2pPr marL="225537" indent="0">
-              <a:buNone/>
-              <a:defRPr sz="691"/>
+            <a:lvl2pPr marL="243825" indent="0">
+              <a:buNone/>
+              <a:defRPr sz="747"/>
             </a:lvl2pPr>
-            <a:lvl3pPr marL="451074" indent="0">
-              <a:buNone/>
-              <a:defRPr sz="592"/>
+            <a:lvl3pPr marL="487650" indent="0">
+              <a:buNone/>
+              <a:defRPr sz="640"/>
             </a:lvl3pPr>
-            <a:lvl4pPr marL="676610" indent="0">
-              <a:buNone/>
-              <a:defRPr sz="493"/>
+            <a:lvl4pPr marL="731474" indent="0">
+              <a:buNone/>
+              <a:defRPr sz="533"/>
             </a:lvl4pPr>
-            <a:lvl5pPr marL="902147" indent="0">
-              <a:buNone/>
-              <a:defRPr sz="493"/>
+            <a:lvl5pPr marL="975299" indent="0">
+              <a:buNone/>
+              <a:defRPr sz="533"/>
             </a:lvl5pPr>
-            <a:lvl6pPr marL="1127684" indent="0">
-              <a:buNone/>
-              <a:defRPr sz="493"/>
+            <a:lvl6pPr marL="1219124" indent="0">
+              <a:buNone/>
+              <a:defRPr sz="533"/>
             </a:lvl6pPr>
-            <a:lvl7pPr marL="1353221" indent="0">
-              <a:buNone/>
-              <a:defRPr sz="493"/>
+            <a:lvl7pPr marL="1462949" indent="0">
+              <a:buNone/>
+              <a:defRPr sz="533"/>
             </a:lvl7pPr>
-            <a:lvl8pPr marL="1578757" indent="0">
-              <a:buNone/>
-              <a:defRPr sz="493"/>
+            <a:lvl8pPr marL="1706773" indent="0">
+              <a:buNone/>
+              <a:defRPr sz="533"/>
             </a:lvl8pPr>
-            <a:lvl9pPr marL="1804294" indent="0">
-              <a:buNone/>
-              <a:defRPr sz="493"/>
+            <a:lvl9pPr marL="1950598" indent="0">
+              <a:buNone/>
+              <a:defRPr sz="533"/>
             </a:lvl9pPr>
           </a:lstStyle>
           <a:p>
@@ -2098,7 +2098,7 @@
           <a:p>
             <a:fld id="{57820DD9-BB6F-415E-9182-867DA1C5F9FA}" type="datetimeFigureOut">
               <a:rPr lang="en-US" smtClean="0"/>
-              <a:t>21-Aug-25</a:t>
+              <a:t>27-Aug-25</a:t>
             </a:fld>
             <a:endParaRPr lang="en-US"/>
           </a:p>
@@ -2149,7 +2149,7 @@
     </p:spTree>
     <p:extLst>
       <p:ext uri="{BB962C8B-B14F-4D97-AF65-F5344CB8AC3E}">
-        <p14:creationId xmlns:p14="http://schemas.microsoft.com/office/powerpoint/2010/main" val="3940880926"/>
+        <p14:creationId xmlns:p14="http://schemas.microsoft.com/office/powerpoint/2010/main" val="4094016329"/>
       </p:ext>
     </p:extLst>
   </p:cSld>
@@ -2188,15 +2188,15 @@
         </p:nvSpPr>
         <p:spPr>
           <a:xfrm>
-            <a:off x="585774" y="225531"/>
-            <a:ext cx="2742838" cy="789358"/>
+            <a:off x="585774" y="243840"/>
+            <a:ext cx="2742838" cy="853440"/>
           </a:xfrm>
         </p:spPr>
         <p:txBody>
           <a:bodyPr anchor="b"/>
           <a:lstStyle>
             <a:lvl1pPr>
-              <a:defRPr sz="1579"/>
+              <a:defRPr sz="1707"/>
             </a:lvl1pPr>
           </a:lstStyle>
           <a:p>
@@ -2220,8 +2220,8 @@
         </p:nvSpPr>
         <p:spPr>
           <a:xfrm>
-            <a:off x="3615409" y="487084"/>
-            <a:ext cx="4305270" cy="2404096"/>
+            <a:off x="3615409" y="526627"/>
+            <a:ext cx="4305270" cy="2599267"/>
           </a:xfrm>
         </p:spPr>
         <p:txBody>
@@ -2229,39 +2229,39 @@
           <a:lstStyle>
             <a:lvl1pPr marL="0" indent="0">
               <a:buNone/>
-              <a:defRPr sz="1579"/>
+              <a:defRPr sz="1707"/>
             </a:lvl1pPr>
-            <a:lvl2pPr marL="225537" indent="0">
-              <a:buNone/>
-              <a:defRPr sz="1381"/>
+            <a:lvl2pPr marL="243825" indent="0">
+              <a:buNone/>
+              <a:defRPr sz="1493"/>
             </a:lvl2pPr>
-            <a:lvl3pPr marL="451074" indent="0">
-              <a:buNone/>
-              <a:defRPr sz="1184"/>
+            <a:lvl3pPr marL="487650" indent="0">
+              <a:buNone/>
+              <a:defRPr sz="1280"/>
             </a:lvl3pPr>
-            <a:lvl4pPr marL="676610" indent="0">
-              <a:buNone/>
-              <a:defRPr sz="987"/>
+            <a:lvl4pPr marL="731474" indent="0">
+              <a:buNone/>
+              <a:defRPr sz="1067"/>
             </a:lvl4pPr>
-            <a:lvl5pPr marL="902147" indent="0">
-              <a:buNone/>
-              <a:defRPr sz="987"/>
+            <a:lvl5pPr marL="975299" indent="0">
+              <a:buNone/>
+              <a:defRPr sz="1067"/>
             </a:lvl5pPr>
-            <a:lvl6pPr marL="1127684" indent="0">
-              <a:buNone/>
-              <a:defRPr sz="987"/>
+            <a:lvl6pPr marL="1219124" indent="0">
+              <a:buNone/>
+              <a:defRPr sz="1067"/>
             </a:lvl6pPr>
-            <a:lvl7pPr marL="1353221" indent="0">
-              <a:buNone/>
-              <a:defRPr sz="987"/>
+            <a:lvl7pPr marL="1462949" indent="0">
+              <a:buNone/>
+              <a:defRPr sz="1067"/>
             </a:lvl7pPr>
-            <a:lvl8pPr marL="1578757" indent="0">
-              <a:buNone/>
-              <a:defRPr sz="987"/>
+            <a:lvl8pPr marL="1706773" indent="0">
+              <a:buNone/>
+              <a:defRPr sz="1067"/>
             </a:lvl8pPr>
-            <a:lvl9pPr marL="1804294" indent="0">
-              <a:buNone/>
-              <a:defRPr sz="987"/>
+            <a:lvl9pPr marL="1950598" indent="0">
+              <a:buNone/>
+              <a:defRPr sz="1067"/>
             </a:lvl9pPr>
           </a:lstStyle>
           <a:p>
@@ -2285,8 +2285,8 @@
         </p:nvSpPr>
         <p:spPr>
           <a:xfrm>
-            <a:off x="585774" y="1014889"/>
-            <a:ext cx="2742838" cy="1880207"/>
+            <a:off x="585774" y="1097280"/>
+            <a:ext cx="2742838" cy="2032847"/>
           </a:xfrm>
         </p:spPr>
         <p:txBody>
@@ -2294,39 +2294,39 @@
           <a:lstStyle>
             <a:lvl1pPr marL="0" indent="0">
               <a:buNone/>
-              <a:defRPr sz="789"/>
+              <a:defRPr sz="853"/>
             </a:lvl1pPr>
-            <a:lvl2pPr marL="225537" indent="0">
-              <a:buNone/>
-              <a:defRPr sz="691"/>
+            <a:lvl2pPr marL="243825" indent="0">
+              <a:buNone/>
+              <a:defRPr sz="747"/>
             </a:lvl2pPr>
-            <a:lvl3pPr marL="451074" indent="0">
-              <a:buNone/>
-              <a:defRPr sz="592"/>
+            <a:lvl3pPr marL="487650" indent="0">
+              <a:buNone/>
+              <a:defRPr sz="640"/>
             </a:lvl3pPr>
-            <a:lvl4pPr marL="676610" indent="0">
-              <a:buNone/>
-              <a:defRPr sz="493"/>
+            <a:lvl4pPr marL="731474" indent="0">
+              <a:buNone/>
+              <a:defRPr sz="533"/>
             </a:lvl4pPr>
-            <a:lvl5pPr marL="902147" indent="0">
-              <a:buNone/>
-              <a:defRPr sz="493"/>
+            <a:lvl5pPr marL="975299" indent="0">
+              <a:buNone/>
+              <a:defRPr sz="533"/>
             </a:lvl5pPr>
-            <a:lvl6pPr marL="1127684" indent="0">
-              <a:buNone/>
-              <a:defRPr sz="493"/>
+            <a:lvl6pPr marL="1219124" indent="0">
+              <a:buNone/>
+              <a:defRPr sz="533"/>
             </a:lvl6pPr>
-            <a:lvl7pPr marL="1353221" indent="0">
-              <a:buNone/>
-              <a:defRPr sz="493"/>
+            <a:lvl7pPr marL="1462949" indent="0">
+              <a:buNone/>
+              <a:defRPr sz="533"/>
             </a:lvl7pPr>
-            <a:lvl8pPr marL="1578757" indent="0">
-              <a:buNone/>
-              <a:defRPr sz="493"/>
+            <a:lvl8pPr marL="1706773" indent="0">
+              <a:buNone/>
+              <a:defRPr sz="533"/>
             </a:lvl8pPr>
-            <a:lvl9pPr marL="1804294" indent="0">
-              <a:buNone/>
-              <a:defRPr sz="493"/>
+            <a:lvl9pPr marL="1950598" indent="0">
+              <a:buNone/>
+              <a:defRPr sz="533"/>
             </a:lvl9pPr>
           </a:lstStyle>
           <a:p>
@@ -2355,7 +2355,7 @@
           <a:p>
             <a:fld id="{57820DD9-BB6F-415E-9182-867DA1C5F9FA}" type="datetimeFigureOut">
               <a:rPr lang="en-US" smtClean="0"/>
-              <a:t>21-Aug-25</a:t>
+              <a:t>27-Aug-25</a:t>
             </a:fld>
             <a:endParaRPr lang="en-US"/>
           </a:p>
@@ -2406,7 +2406,7 @@
     </p:spTree>
     <p:extLst>
       <p:ext uri="{BB962C8B-B14F-4D97-AF65-F5344CB8AC3E}">
-        <p14:creationId xmlns:p14="http://schemas.microsoft.com/office/powerpoint/2010/main" val="3612479057"/>
+        <p14:creationId xmlns:p14="http://schemas.microsoft.com/office/powerpoint/2010/main" val="3543177705"/>
       </p:ext>
     </p:extLst>
   </p:cSld>
@@ -2450,8 +2450,8 @@
         </p:nvSpPr>
         <p:spPr>
           <a:xfrm>
-            <a:off x="584667" y="180112"/>
-            <a:ext cx="7334905" cy="653883"/>
+            <a:off x="584667" y="194734"/>
+            <a:ext cx="7334905" cy="706967"/>
           </a:xfrm>
           <a:prstGeom prst="rect">
             <a:avLst/>
@@ -2483,8 +2483,8 @@
         </p:nvSpPr>
         <p:spPr>
           <a:xfrm>
-            <a:off x="584667" y="900557"/>
-            <a:ext cx="7334905" cy="2146459"/>
+            <a:off x="584667" y="973666"/>
+            <a:ext cx="7334905" cy="2320714"/>
           </a:xfrm>
           <a:prstGeom prst="rect">
             <a:avLst/>
@@ -2545,8 +2545,8 @@
         </p:nvSpPr>
         <p:spPr>
           <a:xfrm>
-            <a:off x="584666" y="3135506"/>
-            <a:ext cx="1913454" cy="180111"/>
+            <a:off x="584666" y="3390054"/>
+            <a:ext cx="1913454" cy="194733"/>
           </a:xfrm>
           <a:prstGeom prst="rect">
             <a:avLst/>
@@ -2556,7 +2556,7 @@
           <a:bodyPr vert="horz" lIns="91440" tIns="45720" rIns="91440" bIns="45720" rtlCol="0" anchor="ctr"/>
           <a:lstStyle>
             <a:lvl1pPr algn="l">
-              <a:defRPr sz="592">
+              <a:defRPr sz="640">
                 <a:solidFill>
                   <a:schemeClr val="tx1">
                     <a:tint val="82000"/>
@@ -2568,7 +2568,7 @@
           <a:p>
             <a:fld id="{57820DD9-BB6F-415E-9182-867DA1C5F9FA}" type="datetimeFigureOut">
               <a:rPr lang="en-US" smtClean="0"/>
-              <a:t>21-Aug-25</a:t>
+              <a:t>27-Aug-25</a:t>
             </a:fld>
             <a:endParaRPr lang="en-US"/>
           </a:p>
@@ -2586,8 +2586,8 @@
         </p:nvSpPr>
         <p:spPr>
           <a:xfrm>
-            <a:off x="2817029" y="3135506"/>
-            <a:ext cx="2870180" cy="180111"/>
+            <a:off x="2817029" y="3390054"/>
+            <a:ext cx="2870180" cy="194733"/>
           </a:xfrm>
           <a:prstGeom prst="rect">
             <a:avLst/>
@@ -2597,7 +2597,7 @@
           <a:bodyPr vert="horz" lIns="91440" tIns="45720" rIns="91440" bIns="45720" rtlCol="0" anchor="ctr"/>
           <a:lstStyle>
             <a:lvl1pPr algn="ctr">
-              <a:defRPr sz="592">
+              <a:defRPr sz="640">
                 <a:solidFill>
                   <a:schemeClr val="tx1">
                     <a:tint val="82000"/>
@@ -2623,8 +2623,8 @@
         </p:nvSpPr>
         <p:spPr>
           <a:xfrm>
-            <a:off x="6006118" y="3135506"/>
-            <a:ext cx="1913454" cy="180111"/>
+            <a:off x="6006118" y="3390054"/>
+            <a:ext cx="1913454" cy="194733"/>
           </a:xfrm>
           <a:prstGeom prst="rect">
             <a:avLst/>
@@ -2634,7 +2634,7 @@
           <a:bodyPr vert="horz" lIns="91440" tIns="45720" rIns="91440" bIns="45720" rtlCol="0" anchor="ctr"/>
           <a:lstStyle>
             <a:lvl1pPr algn="r">
-              <a:defRPr sz="592">
+              <a:defRPr sz="640">
                 <a:solidFill>
                   <a:schemeClr val="tx1">
                     <a:tint val="82000"/>
@@ -2655,27 +2655,27 @@
     </p:spTree>
     <p:extLst>
       <p:ext uri="{BB962C8B-B14F-4D97-AF65-F5344CB8AC3E}">
-        <p14:creationId xmlns:p14="http://schemas.microsoft.com/office/powerpoint/2010/main" val="3023622293"/>
+        <p14:creationId xmlns:p14="http://schemas.microsoft.com/office/powerpoint/2010/main" val="546416087"/>
       </p:ext>
     </p:extLst>
   </p:cSld>
   <p:clrMap bg1="lt1" tx1="dk1" bg2="lt2" tx2="dk2" accent1="accent1" accent2="accent2" accent3="accent3" accent4="accent4" accent5="accent5" accent6="accent6" hlink="hlink" folHlink="folHlink"/>
   <p:sldLayoutIdLst>
-    <p:sldLayoutId id="2147483745" r:id="rId1"/>
-    <p:sldLayoutId id="2147483746" r:id="rId2"/>
-    <p:sldLayoutId id="2147483747" r:id="rId3"/>
-    <p:sldLayoutId id="2147483748" r:id="rId4"/>
-    <p:sldLayoutId id="2147483749" r:id="rId5"/>
-    <p:sldLayoutId id="2147483750" r:id="rId6"/>
-    <p:sldLayoutId id="2147483751" r:id="rId7"/>
-    <p:sldLayoutId id="2147483752" r:id="rId8"/>
-    <p:sldLayoutId id="2147483753" r:id="rId9"/>
-    <p:sldLayoutId id="2147483754" r:id="rId10"/>
-    <p:sldLayoutId id="2147483755" r:id="rId11"/>
+    <p:sldLayoutId id="2147483757" r:id="rId1"/>
+    <p:sldLayoutId id="2147483758" r:id="rId2"/>
+    <p:sldLayoutId id="2147483759" r:id="rId3"/>
+    <p:sldLayoutId id="2147483760" r:id="rId4"/>
+    <p:sldLayoutId id="2147483761" r:id="rId5"/>
+    <p:sldLayoutId id="2147483762" r:id="rId6"/>
+    <p:sldLayoutId id="2147483763" r:id="rId7"/>
+    <p:sldLayoutId id="2147483764" r:id="rId8"/>
+    <p:sldLayoutId id="2147483765" r:id="rId9"/>
+    <p:sldLayoutId id="2147483766" r:id="rId10"/>
+    <p:sldLayoutId id="2147483767" r:id="rId11"/>
   </p:sldLayoutIdLst>
   <p:txStyles>
     <p:titleStyle>
-      <a:lvl1pPr algn="l" defTabSz="451074" rtl="0" eaLnBrk="1" latinLnBrk="0" hangingPunct="1">
+      <a:lvl1pPr algn="l" defTabSz="487650" rtl="0" eaLnBrk="1" latinLnBrk="0" hangingPunct="1">
         <a:lnSpc>
           <a:spcPct val="90000"/>
         </a:lnSpc>
@@ -2683,7 +2683,7 @@
           <a:spcPct val="0"/>
         </a:spcBef>
         <a:buNone/>
-        <a:defRPr sz="2171" kern="1200">
+        <a:defRPr sz="2347" kern="1200">
           <a:solidFill>
             <a:schemeClr val="tx1"/>
           </a:solidFill>
@@ -2694,16 +2694,16 @@
       </a:lvl1pPr>
     </p:titleStyle>
     <p:bodyStyle>
-      <a:lvl1pPr marL="112768" indent="-112768" algn="l" defTabSz="451074" rtl="0" eaLnBrk="1" latinLnBrk="0" hangingPunct="1">
+      <a:lvl1pPr marL="121912" indent="-121912" algn="l" defTabSz="487650" rtl="0" eaLnBrk="1" latinLnBrk="0" hangingPunct="1">
         <a:lnSpc>
           <a:spcPct val="90000"/>
         </a:lnSpc>
         <a:spcBef>
-          <a:spcPts val="493"/>
+          <a:spcPts val="533"/>
         </a:spcBef>
         <a:buFont typeface="Arial" panose="020B0604020202020204" pitchFamily="34" charset="0"/>
         <a:buChar char="•"/>
-        <a:defRPr sz="1381" kern="1200">
+        <a:defRPr sz="1493" kern="1200">
           <a:solidFill>
             <a:schemeClr val="tx1"/>
           </a:solidFill>
@@ -2712,16 +2712,16 @@
           <a:cs typeface="+mn-cs"/>
         </a:defRPr>
       </a:lvl1pPr>
-      <a:lvl2pPr marL="338305" indent="-112768" algn="l" defTabSz="451074" rtl="0" eaLnBrk="1" latinLnBrk="0" hangingPunct="1">
+      <a:lvl2pPr marL="365737" indent="-121912" algn="l" defTabSz="487650" rtl="0" eaLnBrk="1" latinLnBrk="0" hangingPunct="1">
         <a:lnSpc>
           <a:spcPct val="90000"/>
         </a:lnSpc>
         <a:spcBef>
-          <a:spcPts val="247"/>
+          <a:spcPts val="267"/>
         </a:spcBef>
         <a:buFont typeface="Arial" panose="020B0604020202020204" pitchFamily="34" charset="0"/>
         <a:buChar char="•"/>
-        <a:defRPr sz="1184" kern="1200">
+        <a:defRPr sz="1280" kern="1200">
           <a:solidFill>
             <a:schemeClr val="tx1"/>
           </a:solidFill>
@@ -2730,16 +2730,16 @@
           <a:cs typeface="+mn-cs"/>
         </a:defRPr>
       </a:lvl2pPr>
-      <a:lvl3pPr marL="563842" indent="-112768" algn="l" defTabSz="451074" rtl="0" eaLnBrk="1" latinLnBrk="0" hangingPunct="1">
+      <a:lvl3pPr marL="609562" indent="-121912" algn="l" defTabSz="487650" rtl="0" eaLnBrk="1" latinLnBrk="0" hangingPunct="1">
         <a:lnSpc>
           <a:spcPct val="90000"/>
         </a:lnSpc>
         <a:spcBef>
-          <a:spcPts val="247"/>
+          <a:spcPts val="267"/>
         </a:spcBef>
         <a:buFont typeface="Arial" panose="020B0604020202020204" pitchFamily="34" charset="0"/>
         <a:buChar char="•"/>
-        <a:defRPr sz="987" kern="1200">
+        <a:defRPr sz="1067" kern="1200">
           <a:solidFill>
             <a:schemeClr val="tx1"/>
           </a:solidFill>
@@ -2748,16 +2748,16 @@
           <a:cs typeface="+mn-cs"/>
         </a:defRPr>
       </a:lvl3pPr>
-      <a:lvl4pPr marL="789379" indent="-112768" algn="l" defTabSz="451074" rtl="0" eaLnBrk="1" latinLnBrk="0" hangingPunct="1">
+      <a:lvl4pPr marL="853387" indent="-121912" algn="l" defTabSz="487650" rtl="0" eaLnBrk="1" latinLnBrk="0" hangingPunct="1">
         <a:lnSpc>
           <a:spcPct val="90000"/>
         </a:lnSpc>
         <a:spcBef>
-          <a:spcPts val="247"/>
+          <a:spcPts val="267"/>
         </a:spcBef>
         <a:buFont typeface="Arial" panose="020B0604020202020204" pitchFamily="34" charset="0"/>
         <a:buChar char="•"/>
-        <a:defRPr sz="888" kern="1200">
+        <a:defRPr sz="960" kern="1200">
           <a:solidFill>
             <a:schemeClr val="tx1"/>
           </a:solidFill>
@@ -2766,16 +2766,16 @@
           <a:cs typeface="+mn-cs"/>
         </a:defRPr>
       </a:lvl4pPr>
-      <a:lvl5pPr marL="1014915" indent="-112768" algn="l" defTabSz="451074" rtl="0" eaLnBrk="1" latinLnBrk="0" hangingPunct="1">
+      <a:lvl5pPr marL="1097211" indent="-121912" algn="l" defTabSz="487650" rtl="0" eaLnBrk="1" latinLnBrk="0" hangingPunct="1">
         <a:lnSpc>
           <a:spcPct val="90000"/>
         </a:lnSpc>
         <a:spcBef>
-          <a:spcPts val="247"/>
+          <a:spcPts val="267"/>
         </a:spcBef>
         <a:buFont typeface="Arial" panose="020B0604020202020204" pitchFamily="34" charset="0"/>
         <a:buChar char="•"/>
-        <a:defRPr sz="888" kern="1200">
+        <a:defRPr sz="960" kern="1200">
           <a:solidFill>
             <a:schemeClr val="tx1"/>
           </a:solidFill>
@@ -2784,16 +2784,16 @@
           <a:cs typeface="+mn-cs"/>
         </a:defRPr>
       </a:lvl5pPr>
-      <a:lvl6pPr marL="1240452" indent="-112768" algn="l" defTabSz="451074" rtl="0" eaLnBrk="1" latinLnBrk="0" hangingPunct="1">
+      <a:lvl6pPr marL="1341036" indent="-121912" algn="l" defTabSz="487650" rtl="0" eaLnBrk="1" latinLnBrk="0" hangingPunct="1">
         <a:lnSpc>
           <a:spcPct val="90000"/>
         </a:lnSpc>
         <a:spcBef>
-          <a:spcPts val="247"/>
+          <a:spcPts val="267"/>
         </a:spcBef>
         <a:buFont typeface="Arial" panose="020B0604020202020204" pitchFamily="34" charset="0"/>
         <a:buChar char="•"/>
-        <a:defRPr sz="888" kern="1200">
+        <a:defRPr sz="960" kern="1200">
           <a:solidFill>
             <a:schemeClr val="tx1"/>
           </a:solidFill>
@@ -2802,16 +2802,16 @@
           <a:cs typeface="+mn-cs"/>
         </a:defRPr>
       </a:lvl6pPr>
-      <a:lvl7pPr marL="1465989" indent="-112768" algn="l" defTabSz="451074" rtl="0" eaLnBrk="1" latinLnBrk="0" hangingPunct="1">
+      <a:lvl7pPr marL="1584861" indent="-121912" algn="l" defTabSz="487650" rtl="0" eaLnBrk="1" latinLnBrk="0" hangingPunct="1">
         <a:lnSpc>
           <a:spcPct val="90000"/>
         </a:lnSpc>
         <a:spcBef>
-          <a:spcPts val="247"/>
+          <a:spcPts val="267"/>
         </a:spcBef>
         <a:buFont typeface="Arial" panose="020B0604020202020204" pitchFamily="34" charset="0"/>
         <a:buChar char="•"/>
-        <a:defRPr sz="888" kern="1200">
+        <a:defRPr sz="960" kern="1200">
           <a:solidFill>
             <a:schemeClr val="tx1"/>
           </a:solidFill>
@@ -2820,16 +2820,16 @@
           <a:cs typeface="+mn-cs"/>
         </a:defRPr>
       </a:lvl7pPr>
-      <a:lvl8pPr marL="1691526" indent="-112768" algn="l" defTabSz="451074" rtl="0" eaLnBrk="1" latinLnBrk="0" hangingPunct="1">
+      <a:lvl8pPr marL="1828686" indent="-121912" algn="l" defTabSz="487650" rtl="0" eaLnBrk="1" latinLnBrk="0" hangingPunct="1">
         <a:lnSpc>
           <a:spcPct val="90000"/>
         </a:lnSpc>
         <a:spcBef>
-          <a:spcPts val="247"/>
+          <a:spcPts val="267"/>
         </a:spcBef>
         <a:buFont typeface="Arial" panose="020B0604020202020204" pitchFamily="34" charset="0"/>
         <a:buChar char="•"/>
-        <a:defRPr sz="888" kern="1200">
+        <a:defRPr sz="960" kern="1200">
           <a:solidFill>
             <a:schemeClr val="tx1"/>
           </a:solidFill>
@@ -2838,16 +2838,16 @@
           <a:cs typeface="+mn-cs"/>
         </a:defRPr>
       </a:lvl8pPr>
-      <a:lvl9pPr marL="1917062" indent="-112768" algn="l" defTabSz="451074" rtl="0" eaLnBrk="1" latinLnBrk="0" hangingPunct="1">
+      <a:lvl9pPr marL="2072510" indent="-121912" algn="l" defTabSz="487650" rtl="0" eaLnBrk="1" latinLnBrk="0" hangingPunct="1">
         <a:lnSpc>
           <a:spcPct val="90000"/>
         </a:lnSpc>
         <a:spcBef>
-          <a:spcPts val="247"/>
+          <a:spcPts val="267"/>
         </a:spcBef>
         <a:buFont typeface="Arial" panose="020B0604020202020204" pitchFamily="34" charset="0"/>
         <a:buChar char="•"/>
-        <a:defRPr sz="888" kern="1200">
+        <a:defRPr sz="960" kern="1200">
           <a:solidFill>
             <a:schemeClr val="tx1"/>
           </a:solidFill>
@@ -2861,8 +2861,8 @@
       <a:defPPr>
         <a:defRPr lang="en-US"/>
       </a:defPPr>
-      <a:lvl1pPr marL="0" algn="l" defTabSz="451074" rtl="0" eaLnBrk="1" latinLnBrk="0" hangingPunct="1">
-        <a:defRPr sz="888" kern="1200">
+      <a:lvl1pPr marL="0" algn="l" defTabSz="487650" rtl="0" eaLnBrk="1" latinLnBrk="0" hangingPunct="1">
+        <a:defRPr sz="960" kern="1200">
           <a:solidFill>
             <a:schemeClr val="tx1"/>
           </a:solidFill>
@@ -2871,8 +2871,8 @@
           <a:cs typeface="+mn-cs"/>
         </a:defRPr>
       </a:lvl1pPr>
-      <a:lvl2pPr marL="225537" algn="l" defTabSz="451074" rtl="0" eaLnBrk="1" latinLnBrk="0" hangingPunct="1">
-        <a:defRPr sz="888" kern="1200">
+      <a:lvl2pPr marL="243825" algn="l" defTabSz="487650" rtl="0" eaLnBrk="1" latinLnBrk="0" hangingPunct="1">
+        <a:defRPr sz="960" kern="1200">
           <a:solidFill>
             <a:schemeClr val="tx1"/>
           </a:solidFill>
@@ -2881,8 +2881,8 @@
           <a:cs typeface="+mn-cs"/>
         </a:defRPr>
       </a:lvl2pPr>
-      <a:lvl3pPr marL="451074" algn="l" defTabSz="451074" rtl="0" eaLnBrk="1" latinLnBrk="0" hangingPunct="1">
-        <a:defRPr sz="888" kern="1200">
+      <a:lvl3pPr marL="487650" algn="l" defTabSz="487650" rtl="0" eaLnBrk="1" latinLnBrk="0" hangingPunct="1">
+        <a:defRPr sz="960" kern="1200">
           <a:solidFill>
             <a:schemeClr val="tx1"/>
           </a:solidFill>
@@ -2891,8 +2891,8 @@
           <a:cs typeface="+mn-cs"/>
         </a:defRPr>
       </a:lvl3pPr>
-      <a:lvl4pPr marL="676610" algn="l" defTabSz="451074" rtl="0" eaLnBrk="1" latinLnBrk="0" hangingPunct="1">
-        <a:defRPr sz="888" kern="1200">
+      <a:lvl4pPr marL="731474" algn="l" defTabSz="487650" rtl="0" eaLnBrk="1" latinLnBrk="0" hangingPunct="1">
+        <a:defRPr sz="960" kern="1200">
           <a:solidFill>
             <a:schemeClr val="tx1"/>
           </a:solidFill>
@@ -2901,8 +2901,8 @@
           <a:cs typeface="+mn-cs"/>
         </a:defRPr>
       </a:lvl4pPr>
-      <a:lvl5pPr marL="902147" algn="l" defTabSz="451074" rtl="0" eaLnBrk="1" latinLnBrk="0" hangingPunct="1">
-        <a:defRPr sz="888" kern="1200">
+      <a:lvl5pPr marL="975299" algn="l" defTabSz="487650" rtl="0" eaLnBrk="1" latinLnBrk="0" hangingPunct="1">
+        <a:defRPr sz="960" kern="1200">
           <a:solidFill>
             <a:schemeClr val="tx1"/>
           </a:solidFill>
@@ -2911,8 +2911,8 @@
           <a:cs typeface="+mn-cs"/>
         </a:defRPr>
       </a:lvl5pPr>
-      <a:lvl6pPr marL="1127684" algn="l" defTabSz="451074" rtl="0" eaLnBrk="1" latinLnBrk="0" hangingPunct="1">
-        <a:defRPr sz="888" kern="1200">
+      <a:lvl6pPr marL="1219124" algn="l" defTabSz="487650" rtl="0" eaLnBrk="1" latinLnBrk="0" hangingPunct="1">
+        <a:defRPr sz="960" kern="1200">
           <a:solidFill>
             <a:schemeClr val="tx1"/>
           </a:solidFill>
@@ -2921,8 +2921,8 @@
           <a:cs typeface="+mn-cs"/>
         </a:defRPr>
       </a:lvl6pPr>
-      <a:lvl7pPr marL="1353221" algn="l" defTabSz="451074" rtl="0" eaLnBrk="1" latinLnBrk="0" hangingPunct="1">
-        <a:defRPr sz="888" kern="1200">
+      <a:lvl7pPr marL="1462949" algn="l" defTabSz="487650" rtl="0" eaLnBrk="1" latinLnBrk="0" hangingPunct="1">
+        <a:defRPr sz="960" kern="1200">
           <a:solidFill>
             <a:schemeClr val="tx1"/>
           </a:solidFill>
@@ -2931,8 +2931,8 @@
           <a:cs typeface="+mn-cs"/>
         </a:defRPr>
       </a:lvl7pPr>
-      <a:lvl8pPr marL="1578757" algn="l" defTabSz="451074" rtl="0" eaLnBrk="1" latinLnBrk="0" hangingPunct="1">
-        <a:defRPr sz="888" kern="1200">
+      <a:lvl8pPr marL="1706773" algn="l" defTabSz="487650" rtl="0" eaLnBrk="1" latinLnBrk="0" hangingPunct="1">
+        <a:defRPr sz="960" kern="1200">
           <a:solidFill>
             <a:schemeClr val="tx1"/>
           </a:solidFill>
@@ -2941,8 +2941,8 @@
           <a:cs typeface="+mn-cs"/>
         </a:defRPr>
       </a:lvl8pPr>
-      <a:lvl9pPr marL="1804294" algn="l" defTabSz="451074" rtl="0" eaLnBrk="1" latinLnBrk="0" hangingPunct="1">
-        <a:defRPr sz="888" kern="1200">
+      <a:lvl9pPr marL="1950598" algn="l" defTabSz="487650" rtl="0" eaLnBrk="1" latinLnBrk="0" hangingPunct="1">
+        <a:defRPr sz="960" kern="1200">
           <a:solidFill>
             <a:schemeClr val="tx1"/>
           </a:solidFill>
@@ -2983,1228 +2983,1249 @@
           <a:chExt cx="0" cy="0"/>
         </a:xfrm>
       </p:grpSpPr>
-      <p:sp>
-        <p:nvSpPr>
-          <p:cNvPr id="4" name="TextBox 3">
+      <p:grpSp>
+        <p:nvGrpSpPr>
+          <p:cNvPr id="5" name="Group 4">
             <a:extLst>
               <a:ext uri="{FF2B5EF4-FFF2-40B4-BE49-F238E27FC236}">
-                <a16:creationId xmlns:a16="http://schemas.microsoft.com/office/drawing/2014/main" id="{BF1E7C76-B831-18F8-0AD2-5AE28BF14AEC}"/>
+                <a16:creationId xmlns:a16="http://schemas.microsoft.com/office/drawing/2014/main" id="{E67EB705-424D-9EFB-5FEA-5FF6A2322901}"/>
               </a:ext>
             </a:extLst>
           </p:cNvPr>
-          <p:cNvSpPr txBox="1"/>
+          <p:cNvGrpSpPr/>
           <p:nvPr/>
-        </p:nvSpPr>
-        <p:spPr>
+        </p:nvGrpSpPr>
+        <p:grpSpPr>
           <a:xfrm>
-            <a:off x="3874643" y="97432"/>
-            <a:ext cx="2220686" cy="307777"/>
+            <a:off x="87428" y="48491"/>
+            <a:ext cx="8298326" cy="3553692"/>
+            <a:chOff x="87428" y="97430"/>
+            <a:chExt cx="8298326" cy="3192565"/>
           </a:xfrm>
-          <a:prstGeom prst="rect">
-            <a:avLst/>
-          </a:prstGeom>
-          <a:solidFill>
-            <a:srgbClr val="FFD200"/>
-          </a:solidFill>
-        </p:spPr>
-        <p:txBody>
-          <a:bodyPr wrap="square" rtlCol="0" anchor="ctr">
-            <a:noAutofit/>
-          </a:bodyPr>
-          <a:lstStyle/>
-          <a:p>
-            <a:pPr algn="ctr"/>
-            <a:r>
-              <a:rPr lang="en-US" sz="1400" b="1" dirty="0">
+        </p:grpSpPr>
+        <p:sp>
+          <p:nvSpPr>
+            <p:cNvPr id="4" name="TextBox 3">
+              <a:extLst>
+                <a:ext uri="{FF2B5EF4-FFF2-40B4-BE49-F238E27FC236}">
+                  <a16:creationId xmlns:a16="http://schemas.microsoft.com/office/drawing/2014/main" id="{BF1E7C76-B831-18F8-0AD2-5AE28BF14AEC}"/>
+                </a:ext>
+              </a:extLst>
+            </p:cNvPr>
+            <p:cNvSpPr txBox="1"/>
+            <p:nvPr/>
+          </p:nvSpPr>
+          <p:spPr>
+            <a:xfrm>
+              <a:off x="3874643" y="97432"/>
+              <a:ext cx="2220686" cy="315471"/>
+            </a:xfrm>
+            <a:prstGeom prst="rect">
+              <a:avLst/>
+            </a:prstGeom>
+            <a:solidFill>
+              <a:srgbClr val="FFD200"/>
+            </a:solidFill>
+          </p:spPr>
+          <p:txBody>
+            <a:bodyPr wrap="square" rtlCol="0" anchor="ctr">
+              <a:noAutofit/>
+            </a:bodyPr>
+            <a:lstStyle/>
+            <a:p>
+              <a:pPr algn="ctr"/>
+              <a:r>
+                <a:rPr lang="en-US" sz="1600" b="1" dirty="0">
+                  <a:latin typeface="DejaVu Sans" panose="020B0603030804020204" pitchFamily="34" charset="0"/>
+                  <a:ea typeface="DejaVu Sans" panose="020B0603030804020204" pitchFamily="34" charset="0"/>
+                  <a:cs typeface="DejaVu Sans" panose="020B0603030804020204" pitchFamily="34" charset="0"/>
+                </a:rPr>
+                <a:t>1. Introduction</a:t>
+              </a:r>
+            </a:p>
+          </p:txBody>
+        </p:sp>
+        <p:sp>
+          <p:nvSpPr>
+            <p:cNvPr id="6" name="TextBox 5">
+              <a:extLst>
+                <a:ext uri="{FF2B5EF4-FFF2-40B4-BE49-F238E27FC236}">
+                  <a16:creationId xmlns:a16="http://schemas.microsoft.com/office/drawing/2014/main" id="{68C35E09-0CAD-2F2D-229D-C3F873132D4D}"/>
+                </a:ext>
+              </a:extLst>
+            </p:cNvPr>
+            <p:cNvSpPr txBox="1"/>
+            <p:nvPr/>
+          </p:nvSpPr>
+          <p:spPr>
+            <a:xfrm>
+              <a:off x="3874643" y="406092"/>
+              <a:ext cx="2220686" cy="261610"/>
+            </a:xfrm>
+            <a:prstGeom prst="rect">
+              <a:avLst/>
+            </a:prstGeom>
+            <a:solidFill>
+              <a:srgbClr val="FFD200"/>
+            </a:solidFill>
+            <a:ln>
+              <a:solidFill>
+                <a:srgbClr val="C0A000"/>
+              </a:solidFill>
+            </a:ln>
+          </p:spPr>
+          <p:txBody>
+            <a:bodyPr wrap="square" rtlCol="0" anchor="ctr">
+              <a:noAutofit/>
+            </a:bodyPr>
+            <a:lstStyle/>
+            <a:p>
+              <a:pPr algn="ctr"/>
+              <a:r>
+                <a:rPr lang="en-US" sz="1400" dirty="0">
+                  <a:latin typeface="DejaVu Sans" panose="020B0603030804020204" pitchFamily="34" charset="0"/>
+                  <a:ea typeface="DejaVu Sans" panose="020B0603030804020204" pitchFamily="34" charset="0"/>
+                  <a:cs typeface="DejaVu Sans" panose="020B0603030804020204" pitchFamily="34" charset="0"/>
+                </a:rPr>
+                <a:t>Reservoir computing</a:t>
+              </a:r>
+            </a:p>
+          </p:txBody>
+        </p:sp>
+        <p:sp>
+          <p:nvSpPr>
+            <p:cNvPr id="7" name="TextBox 6">
+              <a:extLst>
+                <a:ext uri="{FF2B5EF4-FFF2-40B4-BE49-F238E27FC236}">
+                  <a16:creationId xmlns:a16="http://schemas.microsoft.com/office/drawing/2014/main" id="{958A5D46-4188-4813-B068-B951A5556171}"/>
+                </a:ext>
+              </a:extLst>
+            </p:cNvPr>
+            <p:cNvSpPr txBox="1"/>
+            <p:nvPr/>
+          </p:nvSpPr>
+          <p:spPr>
+            <a:xfrm>
+              <a:off x="3874643" y="660006"/>
+              <a:ext cx="2220686" cy="261610"/>
+            </a:xfrm>
+            <a:prstGeom prst="rect">
+              <a:avLst/>
+            </a:prstGeom>
+            <a:solidFill>
+              <a:srgbClr val="FFD200"/>
+            </a:solidFill>
+            <a:ln>
+              <a:solidFill>
+                <a:srgbClr val="C0A000"/>
+              </a:solidFill>
+            </a:ln>
+          </p:spPr>
+          <p:txBody>
+            <a:bodyPr wrap="square" rtlCol="0" anchor="ctr">
+              <a:noAutofit/>
+            </a:bodyPr>
+            <a:lstStyle/>
+            <a:p>
+              <a:pPr algn="ctr"/>
+              <a:r>
+                <a:rPr lang="en-US" sz="1400" dirty="0">
+                  <a:latin typeface="DejaVu Sans" panose="020B0603030804020204" pitchFamily="34" charset="0"/>
+                  <a:ea typeface="DejaVu Sans" panose="020B0603030804020204" pitchFamily="34" charset="0"/>
+                  <a:cs typeface="DejaVu Sans" panose="020B0603030804020204" pitchFamily="34" charset="0"/>
+                </a:rPr>
+                <a:t>Nanomagnetism</a:t>
+              </a:r>
+            </a:p>
+          </p:txBody>
+        </p:sp>
+        <p:sp>
+          <p:nvSpPr>
+            <p:cNvPr id="8" name="TextBox 7">
+              <a:extLst>
+                <a:ext uri="{FF2B5EF4-FFF2-40B4-BE49-F238E27FC236}">
+                  <a16:creationId xmlns:a16="http://schemas.microsoft.com/office/drawing/2014/main" id="{82988DA5-3B81-25F9-1616-F6CE52AFBF2B}"/>
+                </a:ext>
+              </a:extLst>
+            </p:cNvPr>
+            <p:cNvSpPr txBox="1"/>
+            <p:nvPr/>
+          </p:nvSpPr>
+          <p:spPr>
+            <a:xfrm>
+              <a:off x="3874643" y="914805"/>
+              <a:ext cx="2220686" cy="261610"/>
+            </a:xfrm>
+            <a:prstGeom prst="rect">
+              <a:avLst/>
+            </a:prstGeom>
+            <a:solidFill>
+              <a:srgbClr val="FFD200"/>
+            </a:solidFill>
+            <a:ln>
+              <a:solidFill>
+                <a:srgbClr val="C0A000"/>
+              </a:solidFill>
+            </a:ln>
+          </p:spPr>
+          <p:txBody>
+            <a:bodyPr wrap="square" rtlCol="0" anchor="ctr">
+              <a:noAutofit/>
+            </a:bodyPr>
+            <a:lstStyle/>
+            <a:p>
+              <a:pPr algn="ctr"/>
+              <a:r>
+                <a:rPr lang="en-US" sz="1400" dirty="0">
+                  <a:latin typeface="DejaVu Sans" panose="020B0603030804020204" pitchFamily="34" charset="0"/>
+                  <a:ea typeface="DejaVu Sans" panose="020B0603030804020204" pitchFamily="34" charset="0"/>
+                  <a:cs typeface="DejaVu Sans" panose="020B0603030804020204" pitchFamily="34" charset="0"/>
+                </a:rPr>
+                <a:t>Modelling</a:t>
+              </a:r>
+            </a:p>
+          </p:txBody>
+        </p:sp>
+        <p:sp>
+          <p:nvSpPr>
+            <p:cNvPr id="9" name="TextBox 8">
+              <a:extLst>
+                <a:ext uri="{FF2B5EF4-FFF2-40B4-BE49-F238E27FC236}">
+                  <a16:creationId xmlns:a16="http://schemas.microsoft.com/office/drawing/2014/main" id="{DCD113C9-ADCD-C371-232F-C32D51EE6311}"/>
+                </a:ext>
+              </a:extLst>
+            </p:cNvPr>
+            <p:cNvSpPr txBox="1"/>
+            <p:nvPr/>
+          </p:nvSpPr>
+          <p:spPr>
+            <a:xfrm>
+              <a:off x="2449972" y="1472500"/>
+              <a:ext cx="1919238" cy="784748"/>
+            </a:xfrm>
+            <a:prstGeom prst="rect">
+              <a:avLst/>
+            </a:prstGeom>
+            <a:solidFill>
+              <a:srgbClr val="FFD200"/>
+            </a:solidFill>
+          </p:spPr>
+          <p:txBody>
+            <a:bodyPr wrap="square" rtlCol="0" anchor="ctr">
+              <a:noAutofit/>
+            </a:bodyPr>
+            <a:lstStyle/>
+            <a:p>
+              <a:pPr algn="ctr"/>
+              <a:r>
+                <a:rPr lang="en-US" sz="1600" b="1" dirty="0">
+                  <a:latin typeface="DejaVu Sans" panose="020B0603030804020204" pitchFamily="34" charset="0"/>
+                  <a:ea typeface="DejaVu Sans" panose="020B0603030804020204" pitchFamily="34" charset="0"/>
+                  <a:cs typeface="DejaVu Sans" panose="020B0603030804020204" pitchFamily="34" charset="0"/>
+                </a:rPr>
+                <a:t>2. Methods: “Hotspice” simulator</a:t>
+              </a:r>
+            </a:p>
+          </p:txBody>
+        </p:sp>
+        <p:cxnSp>
+          <p:nvCxnSpPr>
+            <p:cNvPr id="10" name="Connector: Elbow 9">
+              <a:extLst>
+                <a:ext uri="{FF2B5EF4-FFF2-40B4-BE49-F238E27FC236}">
+                  <a16:creationId xmlns:a16="http://schemas.microsoft.com/office/drawing/2014/main" id="{86DE206B-AFDC-152B-6BFA-1EC9BAA94614}"/>
+                </a:ext>
+              </a:extLst>
+            </p:cNvPr>
+            <p:cNvCxnSpPr>
+              <a:cxnSpLocks/>
+              <a:stCxn id="8" idx="1"/>
+              <a:endCxn id="9" idx="0"/>
+            </p:cNvCxnSpPr>
+            <p:nvPr/>
+          </p:nvCxnSpPr>
+          <p:spPr>
+            <a:xfrm rot="10800000" flipV="1">
+              <a:off x="3409591" y="1045610"/>
+              <a:ext cx="465052" cy="426890"/>
+            </a:xfrm>
+            <a:prstGeom prst="bentConnector2">
+              <a:avLst/>
+            </a:prstGeom>
+            <a:ln w="28575">
+              <a:tailEnd type="triangle" w="lg" len="lg"/>
+            </a:ln>
+          </p:spPr>
+          <p:style>
+            <a:lnRef idx="2">
+              <a:schemeClr val="dk1"/>
+            </a:lnRef>
+            <a:fillRef idx="0">
+              <a:schemeClr val="dk1"/>
+            </a:fillRef>
+            <a:effectRef idx="1">
+              <a:schemeClr val="dk1"/>
+            </a:effectRef>
+            <a:fontRef idx="minor">
+              <a:schemeClr val="tx1"/>
+            </a:fontRef>
+          </p:style>
+        </p:cxnSp>
+        <p:cxnSp>
+          <p:nvCxnSpPr>
+            <p:cNvPr id="11" name="Connector: Elbow 10">
+              <a:extLst>
+                <a:ext uri="{FF2B5EF4-FFF2-40B4-BE49-F238E27FC236}">
+                  <a16:creationId xmlns:a16="http://schemas.microsoft.com/office/drawing/2014/main" id="{C59A841E-CB6A-625D-74CA-C67BA538ECE1}"/>
+                </a:ext>
+              </a:extLst>
+            </p:cNvPr>
+            <p:cNvCxnSpPr>
+              <a:cxnSpLocks/>
+              <a:stCxn id="7" idx="1"/>
+              <a:endCxn id="9" idx="0"/>
+            </p:cNvCxnSpPr>
+            <p:nvPr/>
+          </p:nvCxnSpPr>
+          <p:spPr>
+            <a:xfrm rot="10800000" flipV="1">
+              <a:off x="3409591" y="790812"/>
+              <a:ext cx="465052" cy="681689"/>
+            </a:xfrm>
+            <a:prstGeom prst="bentConnector2">
+              <a:avLst/>
+            </a:prstGeom>
+            <a:ln w="28575">
+              <a:tailEnd type="triangle" w="lg" len="lg"/>
+            </a:ln>
+          </p:spPr>
+          <p:style>
+            <a:lnRef idx="2">
+              <a:schemeClr val="dk1"/>
+            </a:lnRef>
+            <a:fillRef idx="0">
+              <a:schemeClr val="dk1"/>
+            </a:fillRef>
+            <a:effectRef idx="1">
+              <a:schemeClr val="dk1"/>
+            </a:effectRef>
+            <a:fontRef idx="minor">
+              <a:schemeClr val="tx1"/>
+            </a:fontRef>
+          </p:style>
+        </p:cxnSp>
+        <p:sp>
+          <p:nvSpPr>
+            <p:cNvPr id="12" name="Rectangle 11">
+              <a:extLst>
+                <a:ext uri="{FF2B5EF4-FFF2-40B4-BE49-F238E27FC236}">
+                  <a16:creationId xmlns:a16="http://schemas.microsoft.com/office/drawing/2014/main" id="{58E6C255-71DE-DB32-A525-65E6D22C4FC1}"/>
+                </a:ext>
+              </a:extLst>
+            </p:cNvPr>
+            <p:cNvSpPr/>
+            <p:nvPr/>
+          </p:nvSpPr>
+          <p:spPr>
+            <a:xfrm>
+              <a:off x="3874643" y="97430"/>
+              <a:ext cx="2220686" cy="1078986"/>
+            </a:xfrm>
+            <a:prstGeom prst="rect">
+              <a:avLst/>
+            </a:prstGeom>
+            <a:noFill/>
+            <a:ln w="28575">
+              <a:solidFill>
+                <a:schemeClr val="tx1"/>
+              </a:solidFill>
+            </a:ln>
+          </p:spPr>
+          <p:style>
+            <a:lnRef idx="2">
+              <a:schemeClr val="accent1">
+                <a:shade val="15000"/>
+              </a:schemeClr>
+            </a:lnRef>
+            <a:fillRef idx="1">
+              <a:schemeClr val="accent1"/>
+            </a:fillRef>
+            <a:effectRef idx="0">
+              <a:schemeClr val="accent1"/>
+            </a:effectRef>
+            <a:fontRef idx="minor">
+              <a:schemeClr val="lt1"/>
+            </a:fontRef>
+          </p:style>
+          <p:txBody>
+            <a:bodyPr rtlCol="0" anchor="ctr">
+              <a:noAutofit/>
+            </a:bodyPr>
+            <a:lstStyle/>
+            <a:p>
+              <a:pPr algn="ctr"/>
+              <a:endParaRPr lang="en-US" sz="1400">
                 <a:latin typeface="DejaVu Sans" panose="020B0603030804020204" pitchFamily="34" charset="0"/>
                 <a:ea typeface="DejaVu Sans" panose="020B0603030804020204" pitchFamily="34" charset="0"/>
                 <a:cs typeface="DejaVu Sans" panose="020B0603030804020204" pitchFamily="34" charset="0"/>
-              </a:rPr>
-              <a:t>1. Introduction</a:t>
-            </a:r>
-          </a:p>
-        </p:txBody>
-      </p:sp>
-      <p:sp>
-        <p:nvSpPr>
-          <p:cNvPr id="6" name="TextBox 5">
-            <a:extLst>
-              <a:ext uri="{FF2B5EF4-FFF2-40B4-BE49-F238E27FC236}">
-                <a16:creationId xmlns:a16="http://schemas.microsoft.com/office/drawing/2014/main" id="{68C35E09-0CAD-2F2D-229D-C3F873132D4D}"/>
-              </a:ext>
-            </a:extLst>
-          </p:cNvPr>
-          <p:cNvSpPr txBox="1"/>
-          <p:nvPr/>
-        </p:nvSpPr>
-        <p:spPr>
-          <a:xfrm>
-            <a:off x="3874643" y="406092"/>
-            <a:ext cx="2220686" cy="261610"/>
-          </a:xfrm>
-          <a:prstGeom prst="rect">
-            <a:avLst/>
-          </a:prstGeom>
-          <a:solidFill>
-            <a:srgbClr val="FFD200"/>
-          </a:solidFill>
-          <a:ln>
+              </a:endParaRPr>
+            </a:p>
+          </p:txBody>
+        </p:sp>
+        <p:sp>
+          <p:nvSpPr>
+            <p:cNvPr id="13" name="TextBox 12">
+              <a:extLst>
+                <a:ext uri="{FF2B5EF4-FFF2-40B4-BE49-F238E27FC236}">
+                  <a16:creationId xmlns:a16="http://schemas.microsoft.com/office/drawing/2014/main" id="{18D940C5-14D4-71E7-4746-4EFD5D010AC1}"/>
+                </a:ext>
+              </a:extLst>
+            </p:cNvPr>
+            <p:cNvSpPr txBox="1"/>
+            <p:nvPr/>
+          </p:nvSpPr>
+          <p:spPr>
+            <a:xfrm>
+              <a:off x="4724798" y="1472502"/>
+              <a:ext cx="3660948" cy="523220"/>
+            </a:xfrm>
+            <a:prstGeom prst="rect">
+              <a:avLst/>
+            </a:prstGeom>
             <a:solidFill>
-              <a:srgbClr val="C0A000"/>
+              <a:srgbClr val="FFD200"/>
             </a:solidFill>
-          </a:ln>
-        </p:spPr>
-        <p:txBody>
-          <a:bodyPr wrap="square" rtlCol="0" anchor="ctr">
-            <a:noAutofit/>
-          </a:bodyPr>
-          <a:lstStyle/>
-          <a:p>
-            <a:pPr algn="ctr"/>
-            <a:r>
-              <a:rPr lang="en-US" sz="1200" dirty="0">
+          </p:spPr>
+          <p:txBody>
+            <a:bodyPr wrap="square" rtlCol="0" anchor="ctr">
+              <a:noAutofit/>
+            </a:bodyPr>
+            <a:lstStyle/>
+            <a:p>
+              <a:pPr algn="ctr"/>
+              <a:r>
+                <a:rPr lang="en-US" sz="1600" b="1" dirty="0">
+                  <a:latin typeface="DejaVu Sans" panose="020B0603030804020204" pitchFamily="34" charset="0"/>
+                  <a:ea typeface="DejaVu Sans" panose="020B0603030804020204" pitchFamily="34" charset="0"/>
+                  <a:cs typeface="DejaVu Sans" panose="020B0603030804020204" pitchFamily="34" charset="0"/>
+                </a:rPr>
+                <a:t>3. Reservoir computing in</a:t>
+              </a:r>
+            </a:p>
+            <a:p>
+              <a:pPr algn="ctr"/>
+              <a:r>
+                <a:rPr lang="en-US" sz="1600" b="1" dirty="0">
+                  <a:latin typeface="DejaVu Sans" panose="020B0603030804020204" pitchFamily="34" charset="0"/>
+                  <a:ea typeface="DejaVu Sans" panose="020B0603030804020204" pitchFamily="34" charset="0"/>
+                  <a:cs typeface="DejaVu Sans" panose="020B0603030804020204" pitchFamily="34" charset="0"/>
+                </a:rPr>
+                <a:t>out-of-plane artificial spin ice</a:t>
+              </a:r>
+            </a:p>
+          </p:txBody>
+        </p:sp>
+        <p:sp>
+          <p:nvSpPr>
+            <p:cNvPr id="14" name="TextBox 13">
+              <a:extLst>
+                <a:ext uri="{FF2B5EF4-FFF2-40B4-BE49-F238E27FC236}">
+                  <a16:creationId xmlns:a16="http://schemas.microsoft.com/office/drawing/2014/main" id="{EDDB0FA3-44AF-8140-E147-09A5382F47A9}"/>
+                </a:ext>
+              </a:extLst>
+            </p:cNvPr>
+            <p:cNvSpPr txBox="1"/>
+            <p:nvPr/>
+          </p:nvSpPr>
+          <p:spPr>
+            <a:xfrm>
+              <a:off x="4724805" y="1995721"/>
+              <a:ext cx="1828801" cy="261610"/>
+            </a:xfrm>
+            <a:prstGeom prst="rect">
+              <a:avLst/>
+            </a:prstGeom>
+            <a:solidFill>
+              <a:srgbClr val="FFD200"/>
+            </a:solidFill>
+            <a:ln>
+              <a:solidFill>
+                <a:srgbClr val="C0A000"/>
+              </a:solidFill>
+            </a:ln>
+          </p:spPr>
+          <p:txBody>
+            <a:bodyPr wrap="square" rtlCol="0" anchor="ctr">
+              <a:noAutofit/>
+            </a:bodyPr>
+            <a:lstStyle/>
+            <a:p>
+              <a:pPr algn="ctr"/>
+              <a:r>
+                <a:rPr lang="en-US" sz="1400" dirty="0">
+                  <a:latin typeface="DejaVu Sans" panose="020B0603030804020204" pitchFamily="34" charset="0"/>
+                  <a:ea typeface="DejaVu Sans" panose="020B0603030804020204" pitchFamily="34" charset="0"/>
+                  <a:cs typeface="DejaVu Sans" panose="020B0603030804020204" pitchFamily="34" charset="0"/>
+                </a:rPr>
+                <a:t>Thermally active</a:t>
+              </a:r>
+            </a:p>
+          </p:txBody>
+        </p:sp>
+        <p:sp>
+          <p:nvSpPr>
+            <p:cNvPr id="15" name="TextBox 14">
+              <a:extLst>
+                <a:ext uri="{FF2B5EF4-FFF2-40B4-BE49-F238E27FC236}">
+                  <a16:creationId xmlns:a16="http://schemas.microsoft.com/office/drawing/2014/main" id="{53EA501F-BB7D-D3EE-187E-43A374AAB1AA}"/>
+                </a:ext>
+              </a:extLst>
+            </p:cNvPr>
+            <p:cNvSpPr txBox="1"/>
+            <p:nvPr/>
+          </p:nvSpPr>
+          <p:spPr>
+            <a:xfrm>
+              <a:off x="6556953" y="1995721"/>
+              <a:ext cx="1828801" cy="261610"/>
+            </a:xfrm>
+            <a:prstGeom prst="rect">
+              <a:avLst/>
+            </a:prstGeom>
+            <a:solidFill>
+              <a:srgbClr val="FFD200"/>
+            </a:solidFill>
+            <a:ln>
+              <a:solidFill>
+                <a:srgbClr val="C0A000"/>
+              </a:solidFill>
+            </a:ln>
+          </p:spPr>
+          <p:txBody>
+            <a:bodyPr wrap="square" rtlCol="0" anchor="ctr">
+              <a:noAutofit/>
+            </a:bodyPr>
+            <a:lstStyle/>
+            <a:p>
+              <a:pPr algn="ctr"/>
+              <a:r>
+                <a:rPr lang="en-US" sz="1400" dirty="0">
+                  <a:latin typeface="DejaVu Sans" panose="020B0603030804020204" pitchFamily="34" charset="0"/>
+                  <a:ea typeface="DejaVu Sans" panose="020B0603030804020204" pitchFamily="34" charset="0"/>
+                  <a:cs typeface="DejaVu Sans" panose="020B0603030804020204" pitchFamily="34" charset="0"/>
+                </a:rPr>
+                <a:t>Non-volatile</a:t>
+              </a:r>
+            </a:p>
+          </p:txBody>
+        </p:sp>
+        <p:sp>
+          <p:nvSpPr>
+            <p:cNvPr id="16" name="Rectangle 15">
+              <a:extLst>
+                <a:ext uri="{FF2B5EF4-FFF2-40B4-BE49-F238E27FC236}">
+                  <a16:creationId xmlns:a16="http://schemas.microsoft.com/office/drawing/2014/main" id="{78BD8C3F-D73B-6DB5-3167-0701AF53C633}"/>
+                </a:ext>
+              </a:extLst>
+            </p:cNvPr>
+            <p:cNvSpPr/>
+            <p:nvPr/>
+          </p:nvSpPr>
+          <p:spPr>
+            <a:xfrm>
+              <a:off x="2449971" y="1472509"/>
+              <a:ext cx="1919238" cy="784829"/>
+            </a:xfrm>
+            <a:prstGeom prst="rect">
+              <a:avLst/>
+            </a:prstGeom>
+            <a:noFill/>
+            <a:ln w="28575">
+              <a:solidFill>
+                <a:schemeClr val="tx1"/>
+              </a:solidFill>
+            </a:ln>
+          </p:spPr>
+          <p:style>
+            <a:lnRef idx="2">
+              <a:schemeClr val="accent1">
+                <a:shade val="15000"/>
+              </a:schemeClr>
+            </a:lnRef>
+            <a:fillRef idx="1">
+              <a:schemeClr val="accent1"/>
+            </a:fillRef>
+            <a:effectRef idx="0">
+              <a:schemeClr val="accent1"/>
+            </a:effectRef>
+            <a:fontRef idx="minor">
+              <a:schemeClr val="lt1"/>
+            </a:fontRef>
+          </p:style>
+          <p:txBody>
+            <a:bodyPr rtlCol="0" anchor="ctr">
+              <a:noAutofit/>
+            </a:bodyPr>
+            <a:lstStyle/>
+            <a:p>
+              <a:pPr algn="ctr"/>
+              <a:endParaRPr lang="en-US" sz="1400">
                 <a:latin typeface="DejaVu Sans" panose="020B0603030804020204" pitchFamily="34" charset="0"/>
                 <a:ea typeface="DejaVu Sans" panose="020B0603030804020204" pitchFamily="34" charset="0"/>
                 <a:cs typeface="DejaVu Sans" panose="020B0603030804020204" pitchFamily="34" charset="0"/>
-              </a:rPr>
-              <a:t>Reservoir computing</a:t>
-            </a:r>
-          </a:p>
-        </p:txBody>
-      </p:sp>
-      <p:sp>
-        <p:nvSpPr>
-          <p:cNvPr id="7" name="TextBox 6">
-            <a:extLst>
-              <a:ext uri="{FF2B5EF4-FFF2-40B4-BE49-F238E27FC236}">
-                <a16:creationId xmlns:a16="http://schemas.microsoft.com/office/drawing/2014/main" id="{958A5D46-4188-4813-B068-B951A5556171}"/>
-              </a:ext>
-            </a:extLst>
-          </p:cNvPr>
-          <p:cNvSpPr txBox="1"/>
-          <p:nvPr/>
-        </p:nvSpPr>
-        <p:spPr>
-          <a:xfrm>
-            <a:off x="3874643" y="660006"/>
-            <a:ext cx="2220686" cy="261610"/>
-          </a:xfrm>
-          <a:prstGeom prst="rect">
-            <a:avLst/>
-          </a:prstGeom>
-          <a:solidFill>
-            <a:srgbClr val="FFD200"/>
-          </a:solidFill>
-          <a:ln>
-            <a:solidFill>
-              <a:srgbClr val="C0A000"/>
-            </a:solidFill>
-          </a:ln>
-        </p:spPr>
-        <p:txBody>
-          <a:bodyPr wrap="square" rtlCol="0" anchor="ctr">
-            <a:noAutofit/>
-          </a:bodyPr>
-          <a:lstStyle/>
-          <a:p>
-            <a:pPr algn="ctr"/>
-            <a:r>
-              <a:rPr lang="en-US" sz="1200" dirty="0">
+              </a:endParaRPr>
+            </a:p>
+          </p:txBody>
+        </p:sp>
+        <p:sp>
+          <p:nvSpPr>
+            <p:cNvPr id="17" name="Rectangle 16">
+              <a:extLst>
+                <a:ext uri="{FF2B5EF4-FFF2-40B4-BE49-F238E27FC236}">
+                  <a16:creationId xmlns:a16="http://schemas.microsoft.com/office/drawing/2014/main" id="{780FA5D8-3DBD-27F5-DF45-F8F52CDB1056}"/>
+                </a:ext>
+              </a:extLst>
+            </p:cNvPr>
+            <p:cNvSpPr/>
+            <p:nvPr/>
+          </p:nvSpPr>
+          <p:spPr>
+            <a:xfrm>
+              <a:off x="4724805" y="1472501"/>
+              <a:ext cx="3660947" cy="784830"/>
+            </a:xfrm>
+            <a:prstGeom prst="rect">
+              <a:avLst/>
+            </a:prstGeom>
+            <a:noFill/>
+            <a:ln w="28575">
+              <a:solidFill>
+                <a:schemeClr val="tx1"/>
+              </a:solidFill>
+            </a:ln>
+          </p:spPr>
+          <p:style>
+            <a:lnRef idx="2">
+              <a:schemeClr val="accent1">
+                <a:shade val="15000"/>
+              </a:schemeClr>
+            </a:lnRef>
+            <a:fillRef idx="1">
+              <a:schemeClr val="accent1"/>
+            </a:fillRef>
+            <a:effectRef idx="0">
+              <a:schemeClr val="accent1"/>
+            </a:effectRef>
+            <a:fontRef idx="minor">
+              <a:schemeClr val="lt1"/>
+            </a:fontRef>
+          </p:style>
+          <p:txBody>
+            <a:bodyPr rtlCol="0" anchor="ctr">
+              <a:noAutofit/>
+            </a:bodyPr>
+            <a:lstStyle/>
+            <a:p>
+              <a:pPr algn="ctr"/>
+              <a:endParaRPr lang="en-US" sz="1400">
                 <a:latin typeface="DejaVu Sans" panose="020B0603030804020204" pitchFamily="34" charset="0"/>
                 <a:ea typeface="DejaVu Sans" panose="020B0603030804020204" pitchFamily="34" charset="0"/>
                 <a:cs typeface="DejaVu Sans" panose="020B0603030804020204" pitchFamily="34" charset="0"/>
-              </a:rPr>
-              <a:t>Nanomagnetism</a:t>
-            </a:r>
-          </a:p>
-        </p:txBody>
-      </p:sp>
-      <p:sp>
-        <p:nvSpPr>
-          <p:cNvPr id="8" name="TextBox 7">
-            <a:extLst>
-              <a:ext uri="{FF2B5EF4-FFF2-40B4-BE49-F238E27FC236}">
-                <a16:creationId xmlns:a16="http://schemas.microsoft.com/office/drawing/2014/main" id="{82988DA5-3B81-25F9-1616-F6CE52AFBF2B}"/>
-              </a:ext>
-            </a:extLst>
-          </p:cNvPr>
-          <p:cNvSpPr txBox="1"/>
-          <p:nvPr/>
-        </p:nvSpPr>
-        <p:spPr>
-          <a:xfrm>
-            <a:off x="3874643" y="914805"/>
-            <a:ext cx="2220686" cy="261610"/>
-          </a:xfrm>
-          <a:prstGeom prst="rect">
-            <a:avLst/>
-          </a:prstGeom>
-          <a:solidFill>
-            <a:srgbClr val="FFD200"/>
-          </a:solidFill>
-          <a:ln>
+              </a:endParaRPr>
+            </a:p>
+          </p:txBody>
+        </p:sp>
+        <p:cxnSp>
+          <p:nvCxnSpPr>
+            <p:cNvPr id="18" name="Connector: Elbow 17">
+              <a:extLst>
+                <a:ext uri="{FF2B5EF4-FFF2-40B4-BE49-F238E27FC236}">
+                  <a16:creationId xmlns:a16="http://schemas.microsoft.com/office/drawing/2014/main" id="{D8E4EFC4-BBE4-8F7E-E363-89B5AD3F9ED3}"/>
+                </a:ext>
+              </a:extLst>
+            </p:cNvPr>
+            <p:cNvCxnSpPr>
+              <a:cxnSpLocks/>
+              <a:stCxn id="6" idx="3"/>
+              <a:endCxn id="17" idx="0"/>
+            </p:cNvCxnSpPr>
+            <p:nvPr/>
+          </p:nvCxnSpPr>
+          <p:spPr>
+            <a:xfrm>
+              <a:off x="6095329" y="536897"/>
+              <a:ext cx="459948" cy="935604"/>
+            </a:xfrm>
+            <a:prstGeom prst="bentConnector2">
+              <a:avLst/>
+            </a:prstGeom>
+            <a:ln w="28575">
+              <a:tailEnd type="triangle" w="lg" len="lg"/>
+            </a:ln>
+          </p:spPr>
+          <p:style>
+            <a:lnRef idx="2">
+              <a:schemeClr val="dk1"/>
+            </a:lnRef>
+            <a:fillRef idx="0">
+              <a:schemeClr val="dk1"/>
+            </a:fillRef>
+            <a:effectRef idx="1">
+              <a:schemeClr val="dk1"/>
+            </a:effectRef>
+            <a:fontRef idx="minor">
+              <a:schemeClr val="tx1"/>
+            </a:fontRef>
+          </p:style>
+        </p:cxnSp>
+        <p:cxnSp>
+          <p:nvCxnSpPr>
+            <p:cNvPr id="19" name="Connector: Elbow 18">
+              <a:extLst>
+                <a:ext uri="{FF2B5EF4-FFF2-40B4-BE49-F238E27FC236}">
+                  <a16:creationId xmlns:a16="http://schemas.microsoft.com/office/drawing/2014/main" id="{90C0932F-132F-C0EA-B9B0-87758CA2C8C1}"/>
+                </a:ext>
+              </a:extLst>
+            </p:cNvPr>
+            <p:cNvCxnSpPr>
+              <a:cxnSpLocks/>
+              <a:stCxn id="7" idx="3"/>
+              <a:endCxn id="17" idx="0"/>
+            </p:cNvCxnSpPr>
+            <p:nvPr/>
+          </p:nvCxnSpPr>
+          <p:spPr>
+            <a:xfrm>
+              <a:off x="6095329" y="790811"/>
+              <a:ext cx="459948" cy="681690"/>
+            </a:xfrm>
+            <a:prstGeom prst="bentConnector2">
+              <a:avLst/>
+            </a:prstGeom>
+            <a:ln w="28575">
+              <a:tailEnd type="triangle" w="lg" len="lg"/>
+            </a:ln>
+          </p:spPr>
+          <p:style>
+            <a:lnRef idx="2">
+              <a:schemeClr val="dk1"/>
+            </a:lnRef>
+            <a:fillRef idx="0">
+              <a:schemeClr val="dk1"/>
+            </a:fillRef>
+            <a:effectRef idx="1">
+              <a:schemeClr val="dk1"/>
+            </a:effectRef>
+            <a:fontRef idx="minor">
+              <a:schemeClr val="tx1"/>
+            </a:fontRef>
+          </p:style>
+        </p:cxnSp>
+        <p:sp>
+          <p:nvSpPr>
+            <p:cNvPr id="20" name="TextBox 19">
+              <a:extLst>
+                <a:ext uri="{FF2B5EF4-FFF2-40B4-BE49-F238E27FC236}">
+                  <a16:creationId xmlns:a16="http://schemas.microsoft.com/office/drawing/2014/main" id="{A09072C5-89C6-EA8C-238D-A4B4FF0C6C7F}"/>
+                </a:ext>
+              </a:extLst>
+            </p:cNvPr>
+            <p:cNvSpPr txBox="1"/>
+            <p:nvPr/>
+          </p:nvSpPr>
+          <p:spPr>
+            <a:xfrm>
+              <a:off x="3409595" y="2982212"/>
+              <a:ext cx="3144010" cy="307766"/>
+            </a:xfrm>
+            <a:prstGeom prst="rect">
+              <a:avLst/>
+            </a:prstGeom>
             <a:solidFill>
-              <a:srgbClr val="C0A000"/>
+              <a:srgbClr val="FFD200"/>
             </a:solidFill>
-          </a:ln>
-        </p:spPr>
-        <p:txBody>
-          <a:bodyPr wrap="square" rtlCol="0" anchor="ctr">
-            <a:noAutofit/>
-          </a:bodyPr>
-          <a:lstStyle/>
-          <a:p>
-            <a:pPr algn="ctr"/>
-            <a:r>
-              <a:rPr lang="en-US" sz="1200" dirty="0">
+          </p:spPr>
+          <p:txBody>
+            <a:bodyPr wrap="square" lIns="0" rIns="0" rtlCol="0" anchor="ctr">
+              <a:noAutofit/>
+            </a:bodyPr>
+            <a:lstStyle/>
+            <a:p>
+              <a:pPr algn="ctr"/>
+              <a:r>
+                <a:rPr lang="en-US" sz="1600" b="1" dirty="0">
+                  <a:latin typeface="DejaVu Sans" panose="020B0603030804020204" pitchFamily="34" charset="0"/>
+                  <a:ea typeface="DejaVu Sans" panose="020B0603030804020204" pitchFamily="34" charset="0"/>
+                  <a:cs typeface="DejaVu Sans" panose="020B0603030804020204" pitchFamily="34" charset="0"/>
+                </a:rPr>
+                <a:t>4. Conclusion and outlook</a:t>
+              </a:r>
+            </a:p>
+          </p:txBody>
+        </p:sp>
+        <p:cxnSp>
+          <p:nvCxnSpPr>
+            <p:cNvPr id="21" name="Connector: Elbow 20">
+              <a:extLst>
+                <a:ext uri="{FF2B5EF4-FFF2-40B4-BE49-F238E27FC236}">
+                  <a16:creationId xmlns:a16="http://schemas.microsoft.com/office/drawing/2014/main" id="{68FA7322-5593-B3C0-5C2D-5F63E7DB1F81}"/>
+                </a:ext>
+              </a:extLst>
+            </p:cNvPr>
+            <p:cNvCxnSpPr>
+              <a:cxnSpLocks/>
+              <a:stCxn id="17" idx="2"/>
+              <a:endCxn id="20" idx="0"/>
+            </p:cNvCxnSpPr>
+            <p:nvPr/>
+          </p:nvCxnSpPr>
+          <p:spPr>
+            <a:xfrm rot="5400000">
+              <a:off x="5406003" y="1832941"/>
+              <a:ext cx="724881" cy="1573673"/>
+            </a:xfrm>
+            <a:prstGeom prst="bentConnector3">
+              <a:avLst>
+                <a:gd name="adj1" fmla="val 50000"/>
+              </a:avLst>
+            </a:prstGeom>
+            <a:ln w="28575">
+              <a:tailEnd type="triangle" w="lg" len="lg"/>
+            </a:ln>
+          </p:spPr>
+          <p:style>
+            <a:lnRef idx="2">
+              <a:schemeClr val="dk1"/>
+            </a:lnRef>
+            <a:fillRef idx="0">
+              <a:schemeClr val="dk1"/>
+            </a:fillRef>
+            <a:effectRef idx="1">
+              <a:schemeClr val="dk1"/>
+            </a:effectRef>
+            <a:fontRef idx="minor">
+              <a:schemeClr val="tx1"/>
+            </a:fontRef>
+          </p:style>
+        </p:cxnSp>
+        <p:cxnSp>
+          <p:nvCxnSpPr>
+            <p:cNvPr id="22" name="Connector: Elbow 21">
+              <a:extLst>
+                <a:ext uri="{FF2B5EF4-FFF2-40B4-BE49-F238E27FC236}">
+                  <a16:creationId xmlns:a16="http://schemas.microsoft.com/office/drawing/2014/main" id="{D72D83EB-8F1E-8060-3E7C-F4C9D1CA0266}"/>
+                </a:ext>
+              </a:extLst>
+            </p:cNvPr>
+            <p:cNvCxnSpPr>
+              <a:cxnSpLocks/>
+              <a:stCxn id="16" idx="2"/>
+              <a:endCxn id="20" idx="0"/>
+            </p:cNvCxnSpPr>
+            <p:nvPr/>
+          </p:nvCxnSpPr>
+          <p:spPr>
+            <a:xfrm rot="16200000" flipH="1">
+              <a:off x="3833155" y="1833767"/>
+              <a:ext cx="724880" cy="1572010"/>
+            </a:xfrm>
+            <a:prstGeom prst="bentConnector3">
+              <a:avLst>
+                <a:gd name="adj1" fmla="val 50000"/>
+              </a:avLst>
+            </a:prstGeom>
+            <a:ln w="28575">
+              <a:tailEnd type="triangle" w="lg" len="lg"/>
+            </a:ln>
+          </p:spPr>
+          <p:style>
+            <a:lnRef idx="2">
+              <a:schemeClr val="dk1"/>
+            </a:lnRef>
+            <a:fillRef idx="0">
+              <a:schemeClr val="dk1"/>
+            </a:fillRef>
+            <a:effectRef idx="1">
+              <a:schemeClr val="dk1"/>
+            </a:effectRef>
+            <a:fontRef idx="minor">
+              <a:schemeClr val="tx1"/>
+            </a:fontRef>
+          </p:style>
+        </p:cxnSp>
+        <p:sp>
+          <p:nvSpPr>
+            <p:cNvPr id="23" name="Rectangle 22">
+              <a:extLst>
+                <a:ext uri="{FF2B5EF4-FFF2-40B4-BE49-F238E27FC236}">
+                  <a16:creationId xmlns:a16="http://schemas.microsoft.com/office/drawing/2014/main" id="{38715DC3-AB93-905B-2A69-9A27F9E56E15}"/>
+                </a:ext>
+              </a:extLst>
+            </p:cNvPr>
+            <p:cNvSpPr/>
+            <p:nvPr/>
+          </p:nvSpPr>
+          <p:spPr>
+            <a:xfrm>
+              <a:off x="3409597" y="2982212"/>
+              <a:ext cx="3144009" cy="307766"/>
+            </a:xfrm>
+            <a:prstGeom prst="rect">
+              <a:avLst/>
+            </a:prstGeom>
+            <a:noFill/>
+            <a:ln w="28575">
+              <a:solidFill>
+                <a:schemeClr val="tx1"/>
+              </a:solidFill>
+            </a:ln>
+          </p:spPr>
+          <p:style>
+            <a:lnRef idx="2">
+              <a:schemeClr val="accent1">
+                <a:shade val="15000"/>
+              </a:schemeClr>
+            </a:lnRef>
+            <a:fillRef idx="1">
+              <a:schemeClr val="accent1"/>
+            </a:fillRef>
+            <a:effectRef idx="0">
+              <a:schemeClr val="accent1"/>
+            </a:effectRef>
+            <a:fontRef idx="minor">
+              <a:schemeClr val="lt1"/>
+            </a:fontRef>
+          </p:style>
+          <p:txBody>
+            <a:bodyPr rtlCol="0" anchor="ctr">
+              <a:noAutofit/>
+            </a:bodyPr>
+            <a:lstStyle/>
+            <a:p>
+              <a:pPr algn="ctr"/>
+              <a:endParaRPr lang="en-US" sz="1400">
                 <a:latin typeface="DejaVu Sans" panose="020B0603030804020204" pitchFamily="34" charset="0"/>
                 <a:ea typeface="DejaVu Sans" panose="020B0603030804020204" pitchFamily="34" charset="0"/>
                 <a:cs typeface="DejaVu Sans" panose="020B0603030804020204" pitchFamily="34" charset="0"/>
-              </a:rPr>
-              <a:t>Modelling</a:t>
-            </a:r>
-          </a:p>
-        </p:txBody>
-      </p:sp>
-      <p:sp>
-        <p:nvSpPr>
-          <p:cNvPr id="9" name="TextBox 8">
-            <a:extLst>
-              <a:ext uri="{FF2B5EF4-FFF2-40B4-BE49-F238E27FC236}">
-                <a16:creationId xmlns:a16="http://schemas.microsoft.com/office/drawing/2014/main" id="{DCD113C9-ADCD-C371-232F-C32D51EE6311}"/>
-              </a:ext>
-            </a:extLst>
-          </p:cNvPr>
-          <p:cNvSpPr txBox="1"/>
-          <p:nvPr/>
-        </p:nvSpPr>
-        <p:spPr>
-          <a:xfrm>
-            <a:off x="2449972" y="1472500"/>
-            <a:ext cx="1919238" cy="784748"/>
-          </a:xfrm>
-          <a:prstGeom prst="rect">
-            <a:avLst/>
-          </a:prstGeom>
-          <a:solidFill>
-            <a:srgbClr val="FFD200"/>
-          </a:solidFill>
-        </p:spPr>
-        <p:txBody>
-          <a:bodyPr wrap="square" rtlCol="0" anchor="ctr">
-            <a:noAutofit/>
-          </a:bodyPr>
-          <a:lstStyle/>
-          <a:p>
-            <a:pPr algn="ctr"/>
-            <a:r>
-              <a:rPr lang="en-US" sz="1400" b="1" dirty="0">
+              </a:endParaRPr>
+            </a:p>
+          </p:txBody>
+        </p:sp>
+        <p:cxnSp>
+          <p:nvCxnSpPr>
+            <p:cNvPr id="24" name="Connector: Elbow 23">
+              <a:extLst>
+                <a:ext uri="{FF2B5EF4-FFF2-40B4-BE49-F238E27FC236}">
+                  <a16:creationId xmlns:a16="http://schemas.microsoft.com/office/drawing/2014/main" id="{C4A1CDCE-F26A-D6D8-9207-C5C94D307822}"/>
+                </a:ext>
+              </a:extLst>
+            </p:cNvPr>
+            <p:cNvCxnSpPr>
+              <a:cxnSpLocks/>
+              <a:stCxn id="16" idx="3"/>
+              <a:endCxn id="17" idx="1"/>
+            </p:cNvCxnSpPr>
+            <p:nvPr/>
+          </p:nvCxnSpPr>
+          <p:spPr>
+            <a:xfrm flipV="1">
+              <a:off x="4369209" y="1864916"/>
+              <a:ext cx="355590" cy="2"/>
+            </a:xfrm>
+            <a:prstGeom prst="bentConnector3">
+              <a:avLst>
+                <a:gd name="adj1" fmla="val 50000"/>
+              </a:avLst>
+            </a:prstGeom>
+            <a:ln w="28575">
+              <a:tailEnd type="triangle" w="lg" len="lg"/>
+            </a:ln>
+          </p:spPr>
+          <p:style>
+            <a:lnRef idx="2">
+              <a:schemeClr val="dk1"/>
+            </a:lnRef>
+            <a:fillRef idx="0">
+              <a:schemeClr val="dk1"/>
+            </a:fillRef>
+            <a:effectRef idx="1">
+              <a:schemeClr val="dk1"/>
+            </a:effectRef>
+            <a:fontRef idx="minor">
+              <a:schemeClr val="tx1"/>
+            </a:fontRef>
+          </p:style>
+        </p:cxnSp>
+        <p:sp>
+          <p:nvSpPr>
+            <p:cNvPr id="25" name="TextBox 24">
+              <a:extLst>
+                <a:ext uri="{FF2B5EF4-FFF2-40B4-BE49-F238E27FC236}">
+                  <a16:creationId xmlns:a16="http://schemas.microsoft.com/office/drawing/2014/main" id="{A17239F7-97F3-B5AE-0E2C-E98B52F1CFBD}"/>
+                </a:ext>
+              </a:extLst>
+            </p:cNvPr>
+            <p:cNvSpPr txBox="1"/>
+            <p:nvPr/>
+          </p:nvSpPr>
+          <p:spPr>
+            <a:xfrm>
+              <a:off x="90775" y="2461773"/>
+              <a:ext cx="2887339" cy="307777"/>
+            </a:xfrm>
+            <a:prstGeom prst="rect">
+              <a:avLst/>
+            </a:prstGeom>
+            <a:solidFill>
+              <a:schemeClr val="bg1">
+                <a:lumMod val="75000"/>
+              </a:schemeClr>
+            </a:solidFill>
+            <a:ln>
+              <a:solidFill>
+                <a:schemeClr val="bg1">
+                  <a:lumMod val="50000"/>
+                </a:schemeClr>
+              </a:solidFill>
+            </a:ln>
+          </p:spPr>
+          <p:txBody>
+            <a:bodyPr wrap="square" rtlCol="0" anchor="ctr">
+              <a:noAutofit/>
+            </a:bodyPr>
+            <a:lstStyle/>
+            <a:p>
+              <a:pPr algn="ctr"/>
+              <a:r>
+                <a:rPr lang="en-US" sz="1600" b="1" dirty="0">
+                  <a:latin typeface="DejaVu Sans" panose="020B0603030804020204" pitchFamily="34" charset="0"/>
+                  <a:ea typeface="DejaVu Sans" panose="020B0603030804020204" pitchFamily="34" charset="0"/>
+                  <a:cs typeface="DejaVu Sans" panose="020B0603030804020204" pitchFamily="34" charset="0"/>
+                </a:rPr>
+                <a:t>Appendices</a:t>
+              </a:r>
+            </a:p>
+          </p:txBody>
+        </p:sp>
+        <p:sp>
+          <p:nvSpPr>
+            <p:cNvPr id="26" name="TextBox 25">
+              <a:extLst>
+                <a:ext uri="{FF2B5EF4-FFF2-40B4-BE49-F238E27FC236}">
+                  <a16:creationId xmlns:a16="http://schemas.microsoft.com/office/drawing/2014/main" id="{83DC129E-CE4C-6015-3B3F-85C0A07EEA7B}"/>
+                </a:ext>
+              </a:extLst>
+            </p:cNvPr>
+            <p:cNvSpPr txBox="1"/>
+            <p:nvPr/>
+          </p:nvSpPr>
+          <p:spPr>
+            <a:xfrm>
+              <a:off x="87428" y="2769542"/>
+              <a:ext cx="2887339" cy="261610"/>
+            </a:xfrm>
+            <a:prstGeom prst="rect">
+              <a:avLst/>
+            </a:prstGeom>
+            <a:solidFill>
+              <a:schemeClr val="bg1">
+                <a:lumMod val="75000"/>
+              </a:schemeClr>
+            </a:solidFill>
+            <a:ln>
+              <a:solidFill>
+                <a:schemeClr val="bg1">
+                  <a:lumMod val="50000"/>
+                </a:schemeClr>
+              </a:solidFill>
+            </a:ln>
+          </p:spPr>
+          <p:txBody>
+            <a:bodyPr wrap="square" rtlCol="0" anchor="ctr">
+              <a:noAutofit/>
+            </a:bodyPr>
+            <a:lstStyle/>
+            <a:p>
+              <a:pPr algn="ctr"/>
+              <a:r>
+                <a:rPr lang="en-US" sz="1200" b="1" dirty="0">
+                  <a:latin typeface="DejaVu Sans" panose="020B0603030804020204" pitchFamily="34" charset="0"/>
+                  <a:ea typeface="DejaVu Sans" panose="020B0603030804020204" pitchFamily="34" charset="0"/>
+                  <a:cs typeface="DejaVu Sans" panose="020B0603030804020204" pitchFamily="34" charset="0"/>
+                </a:rPr>
+                <a:t>A.</a:t>
+              </a:r>
+              <a:r>
+                <a:rPr lang="en-US" sz="1200" dirty="0">
+                  <a:latin typeface="DejaVu Sans" panose="020B0603030804020204" pitchFamily="34" charset="0"/>
+                  <a:ea typeface="DejaVu Sans" panose="020B0603030804020204" pitchFamily="34" charset="0"/>
+                  <a:cs typeface="DejaVu Sans" panose="020B0603030804020204" pitchFamily="34" charset="0"/>
+                </a:rPr>
+                <a:t> Metropolis selection algorithms</a:t>
+              </a:r>
+            </a:p>
+          </p:txBody>
+        </p:sp>
+        <p:sp>
+          <p:nvSpPr>
+            <p:cNvPr id="27" name="TextBox 26">
+              <a:extLst>
+                <a:ext uri="{FF2B5EF4-FFF2-40B4-BE49-F238E27FC236}">
+                  <a16:creationId xmlns:a16="http://schemas.microsoft.com/office/drawing/2014/main" id="{7E3B74BA-1089-EDD8-A68B-212B9239D0BD}"/>
+                </a:ext>
+              </a:extLst>
+            </p:cNvPr>
+            <p:cNvSpPr txBox="1"/>
+            <p:nvPr/>
+          </p:nvSpPr>
+          <p:spPr>
+            <a:xfrm>
+              <a:off x="87428" y="3028377"/>
+              <a:ext cx="2887339" cy="261610"/>
+            </a:xfrm>
+            <a:prstGeom prst="rect">
+              <a:avLst/>
+            </a:prstGeom>
+            <a:solidFill>
+              <a:schemeClr val="bg1">
+                <a:lumMod val="75000"/>
+              </a:schemeClr>
+            </a:solidFill>
+            <a:ln>
+              <a:solidFill>
+                <a:schemeClr val="bg1">
+                  <a:lumMod val="50000"/>
+                </a:schemeClr>
+              </a:solidFill>
+            </a:ln>
+          </p:spPr>
+          <p:txBody>
+            <a:bodyPr wrap="square" rtlCol="0" anchor="ctr">
+              <a:noAutofit/>
+            </a:bodyPr>
+            <a:lstStyle/>
+            <a:p>
+              <a:pPr algn="ctr"/>
+              <a:r>
+                <a:rPr lang="en-US" sz="1200" b="1" dirty="0">
+                  <a:latin typeface="DejaVu Sans" panose="020B0603030804020204" pitchFamily="34" charset="0"/>
+                  <a:ea typeface="DejaVu Sans" panose="020B0603030804020204" pitchFamily="34" charset="0"/>
+                  <a:cs typeface="DejaVu Sans" panose="020B0603030804020204" pitchFamily="34" charset="0"/>
+                </a:rPr>
+                <a:t>B. </a:t>
+              </a:r>
+              <a:r>
+                <a:rPr lang="en-US" sz="1200" dirty="0">
+                  <a:latin typeface="DejaVu Sans" panose="020B0603030804020204" pitchFamily="34" charset="0"/>
+                  <a:ea typeface="DejaVu Sans" panose="020B0603030804020204" pitchFamily="34" charset="0"/>
+                  <a:cs typeface="DejaVu Sans" panose="020B0603030804020204" pitchFamily="34" charset="0"/>
+                </a:rPr>
+                <a:t>Hotspice structure and interface</a:t>
+              </a:r>
+            </a:p>
+          </p:txBody>
+        </p:sp>
+        <p:sp>
+          <p:nvSpPr>
+            <p:cNvPr id="28" name="Rectangle 27">
+              <a:extLst>
+                <a:ext uri="{FF2B5EF4-FFF2-40B4-BE49-F238E27FC236}">
+                  <a16:creationId xmlns:a16="http://schemas.microsoft.com/office/drawing/2014/main" id="{6549931D-8970-88CE-93FE-074F187617F8}"/>
+                </a:ext>
+              </a:extLst>
+            </p:cNvPr>
+            <p:cNvSpPr/>
+            <p:nvPr/>
+          </p:nvSpPr>
+          <p:spPr>
+            <a:xfrm>
+              <a:off x="90764" y="2461694"/>
+              <a:ext cx="2883996" cy="828301"/>
+            </a:xfrm>
+            <a:prstGeom prst="rect">
+              <a:avLst/>
+            </a:prstGeom>
+            <a:noFill/>
+            <a:ln w="28575">
+              <a:solidFill>
+                <a:schemeClr val="tx1"/>
+              </a:solidFill>
+            </a:ln>
+          </p:spPr>
+          <p:style>
+            <a:lnRef idx="2">
+              <a:schemeClr val="accent1">
+                <a:shade val="15000"/>
+              </a:schemeClr>
+            </a:lnRef>
+            <a:fillRef idx="1">
+              <a:schemeClr val="accent1"/>
+            </a:fillRef>
+            <a:effectRef idx="0">
+              <a:schemeClr val="accent1"/>
+            </a:effectRef>
+            <a:fontRef idx="minor">
+              <a:schemeClr val="lt1"/>
+            </a:fontRef>
+          </p:style>
+          <p:txBody>
+            <a:bodyPr rtlCol="0" anchor="ctr">
+              <a:noAutofit/>
+            </a:bodyPr>
+            <a:lstStyle/>
+            <a:p>
+              <a:pPr algn="ctr"/>
+              <a:endParaRPr lang="en-US" sz="1400">
                 <a:latin typeface="DejaVu Sans" panose="020B0603030804020204" pitchFamily="34" charset="0"/>
                 <a:ea typeface="DejaVu Sans" panose="020B0603030804020204" pitchFamily="34" charset="0"/>
                 <a:cs typeface="DejaVu Sans" panose="020B0603030804020204" pitchFamily="34" charset="0"/>
-              </a:rPr>
-              <a:t>2. Methods: “Hotspice” simulator</a:t>
-            </a:r>
-          </a:p>
-        </p:txBody>
-      </p:sp>
-      <p:cxnSp>
-        <p:nvCxnSpPr>
-          <p:cNvPr id="10" name="Connector: Elbow 9">
-            <a:extLst>
-              <a:ext uri="{FF2B5EF4-FFF2-40B4-BE49-F238E27FC236}">
-                <a16:creationId xmlns:a16="http://schemas.microsoft.com/office/drawing/2014/main" id="{86DE206B-AFDC-152B-6BFA-1EC9BAA94614}"/>
-              </a:ext>
-            </a:extLst>
-          </p:cNvPr>
-          <p:cNvCxnSpPr>
-            <a:cxnSpLocks/>
-            <a:stCxn id="8" idx="1"/>
-            <a:endCxn id="9" idx="0"/>
-          </p:cNvCxnSpPr>
-          <p:nvPr/>
-        </p:nvCxnSpPr>
-        <p:spPr>
-          <a:xfrm rot="10800000" flipV="1">
-            <a:off x="3409591" y="1045610"/>
-            <a:ext cx="465052" cy="426890"/>
-          </a:xfrm>
-          <a:prstGeom prst="bentConnector2">
-            <a:avLst/>
-          </a:prstGeom>
-          <a:ln w="28575">
-            <a:tailEnd type="triangle" w="lg" len="lg"/>
-          </a:ln>
-        </p:spPr>
-        <p:style>
-          <a:lnRef idx="2">
-            <a:schemeClr val="dk1"/>
-          </a:lnRef>
-          <a:fillRef idx="0">
-            <a:schemeClr val="dk1"/>
-          </a:fillRef>
-          <a:effectRef idx="1">
-            <a:schemeClr val="dk1"/>
-          </a:effectRef>
-          <a:fontRef idx="minor">
-            <a:schemeClr val="tx1"/>
-          </a:fontRef>
-        </p:style>
-      </p:cxnSp>
-      <p:cxnSp>
-        <p:nvCxnSpPr>
-          <p:cNvPr id="11" name="Connector: Elbow 10">
-            <a:extLst>
-              <a:ext uri="{FF2B5EF4-FFF2-40B4-BE49-F238E27FC236}">
-                <a16:creationId xmlns:a16="http://schemas.microsoft.com/office/drawing/2014/main" id="{C59A841E-CB6A-625D-74CA-C67BA538ECE1}"/>
-              </a:ext>
-            </a:extLst>
-          </p:cNvPr>
-          <p:cNvCxnSpPr>
-            <a:cxnSpLocks/>
-            <a:stCxn id="7" idx="1"/>
-            <a:endCxn id="9" idx="0"/>
-          </p:cNvCxnSpPr>
-          <p:nvPr/>
-        </p:nvCxnSpPr>
-        <p:spPr>
-          <a:xfrm rot="10800000" flipV="1">
-            <a:off x="3409591" y="790812"/>
-            <a:ext cx="465052" cy="681689"/>
-          </a:xfrm>
-          <a:prstGeom prst="bentConnector2">
-            <a:avLst/>
-          </a:prstGeom>
-          <a:ln w="28575">
-            <a:tailEnd type="triangle" w="lg" len="lg"/>
-          </a:ln>
-        </p:spPr>
-        <p:style>
-          <a:lnRef idx="2">
-            <a:schemeClr val="dk1"/>
-          </a:lnRef>
-          <a:fillRef idx="0">
-            <a:schemeClr val="dk1"/>
-          </a:fillRef>
-          <a:effectRef idx="1">
-            <a:schemeClr val="dk1"/>
-          </a:effectRef>
-          <a:fontRef idx="minor">
-            <a:schemeClr val="tx1"/>
-          </a:fontRef>
-        </p:style>
-      </p:cxnSp>
-      <p:sp>
-        <p:nvSpPr>
-          <p:cNvPr id="12" name="Rectangle 11">
-            <a:extLst>
-              <a:ext uri="{FF2B5EF4-FFF2-40B4-BE49-F238E27FC236}">
-                <a16:creationId xmlns:a16="http://schemas.microsoft.com/office/drawing/2014/main" id="{58E6C255-71DE-DB32-A525-65E6D22C4FC1}"/>
-              </a:ext>
-            </a:extLst>
-          </p:cNvPr>
-          <p:cNvSpPr/>
-          <p:nvPr/>
-        </p:nvSpPr>
-        <p:spPr>
-          <a:xfrm>
-            <a:off x="3874643" y="97430"/>
-            <a:ext cx="2220686" cy="1078986"/>
-          </a:xfrm>
-          <a:prstGeom prst="rect">
-            <a:avLst/>
-          </a:prstGeom>
-          <a:noFill/>
-          <a:ln w="28575">
-            <a:solidFill>
+              </a:endParaRPr>
+            </a:p>
+          </p:txBody>
+        </p:sp>
+        <p:cxnSp>
+          <p:nvCxnSpPr>
+            <p:cNvPr id="29" name="Connector: Elbow 28">
+              <a:extLst>
+                <a:ext uri="{FF2B5EF4-FFF2-40B4-BE49-F238E27FC236}">
+                  <a16:creationId xmlns:a16="http://schemas.microsoft.com/office/drawing/2014/main" id="{D0276443-4D43-F20F-FAFD-6895964C30D5}"/>
+                </a:ext>
+              </a:extLst>
+            </p:cNvPr>
+            <p:cNvCxnSpPr>
+              <a:cxnSpLocks/>
+              <a:stCxn id="16" idx="1"/>
+            </p:cNvCxnSpPr>
+            <p:nvPr/>
+          </p:nvCxnSpPr>
+          <p:spPr>
+            <a:xfrm rot="10800000" flipV="1">
+              <a:off x="1610333" y="1864923"/>
+              <a:ext cx="839649" cy="596769"/>
+            </a:xfrm>
+            <a:prstGeom prst="bentConnector2">
+              <a:avLst/>
+            </a:prstGeom>
+            <a:ln w="28575">
+              <a:tailEnd type="triangle" w="lg" len="lg"/>
+            </a:ln>
+          </p:spPr>
+          <p:style>
+            <a:lnRef idx="2">
+              <a:schemeClr val="dk1"/>
+            </a:lnRef>
+            <a:fillRef idx="0">
+              <a:schemeClr val="dk1"/>
+            </a:fillRef>
+            <a:effectRef idx="1">
+              <a:schemeClr val="dk1"/>
+            </a:effectRef>
+            <a:fontRef idx="minor">
               <a:schemeClr val="tx1"/>
-            </a:solidFill>
-          </a:ln>
-        </p:spPr>
-        <p:style>
-          <a:lnRef idx="2">
-            <a:schemeClr val="accent1">
-              <a:shade val="15000"/>
-            </a:schemeClr>
-          </a:lnRef>
-          <a:fillRef idx="1">
-            <a:schemeClr val="accent1"/>
-          </a:fillRef>
-          <a:effectRef idx="0">
-            <a:schemeClr val="accent1"/>
-          </a:effectRef>
-          <a:fontRef idx="minor">
-            <a:schemeClr val="lt1"/>
-          </a:fontRef>
-        </p:style>
-        <p:txBody>
-          <a:bodyPr rtlCol="0" anchor="ctr">
-            <a:noAutofit/>
-          </a:bodyPr>
-          <a:lstStyle/>
-          <a:p>
-            <a:pPr algn="ctr"/>
-            <a:endParaRPr lang="en-US" sz="1400">
-              <a:latin typeface="DejaVu Sans" panose="020B0603030804020204" pitchFamily="34" charset="0"/>
-              <a:ea typeface="DejaVu Sans" panose="020B0603030804020204" pitchFamily="34" charset="0"/>
-              <a:cs typeface="DejaVu Sans" panose="020B0603030804020204" pitchFamily="34" charset="0"/>
-            </a:endParaRPr>
-          </a:p>
-        </p:txBody>
-      </p:sp>
-      <p:sp>
-        <p:nvSpPr>
-          <p:cNvPr id="13" name="TextBox 12">
-            <a:extLst>
-              <a:ext uri="{FF2B5EF4-FFF2-40B4-BE49-F238E27FC236}">
-                <a16:creationId xmlns:a16="http://schemas.microsoft.com/office/drawing/2014/main" id="{18D940C5-14D4-71E7-4746-4EFD5D010AC1}"/>
-              </a:ext>
-            </a:extLst>
-          </p:cNvPr>
-          <p:cNvSpPr txBox="1"/>
-          <p:nvPr/>
-        </p:nvSpPr>
-        <p:spPr>
-          <a:xfrm>
-            <a:off x="4724798" y="1472502"/>
-            <a:ext cx="3660948" cy="523220"/>
-          </a:xfrm>
-          <a:prstGeom prst="rect">
-            <a:avLst/>
-          </a:prstGeom>
-          <a:solidFill>
-            <a:srgbClr val="FFD200"/>
-          </a:solidFill>
-        </p:spPr>
-        <p:txBody>
-          <a:bodyPr wrap="square" rtlCol="0" anchor="ctr">
-            <a:noAutofit/>
-          </a:bodyPr>
-          <a:lstStyle/>
-          <a:p>
-            <a:pPr algn="ctr"/>
-            <a:r>
-              <a:rPr lang="en-US" sz="1400" b="1" dirty="0">
-                <a:latin typeface="DejaVu Sans" panose="020B0603030804020204" pitchFamily="34" charset="0"/>
-                <a:ea typeface="DejaVu Sans" panose="020B0603030804020204" pitchFamily="34" charset="0"/>
-                <a:cs typeface="DejaVu Sans" panose="020B0603030804020204" pitchFamily="34" charset="0"/>
-              </a:rPr>
-              <a:t>3. Reservoir computing in</a:t>
-            </a:r>
-          </a:p>
-          <a:p>
-            <a:pPr algn="ctr"/>
-            <a:r>
-              <a:rPr lang="en-US" sz="1400" b="1" dirty="0">
-                <a:latin typeface="DejaVu Sans" panose="020B0603030804020204" pitchFamily="34" charset="0"/>
-                <a:ea typeface="DejaVu Sans" panose="020B0603030804020204" pitchFamily="34" charset="0"/>
-                <a:cs typeface="DejaVu Sans" panose="020B0603030804020204" pitchFamily="34" charset="0"/>
-              </a:rPr>
-              <a:t>out-of-plane artificial spin ice</a:t>
-            </a:r>
-          </a:p>
-        </p:txBody>
-      </p:sp>
-      <p:sp>
-        <p:nvSpPr>
-          <p:cNvPr id="14" name="TextBox 13">
-            <a:extLst>
-              <a:ext uri="{FF2B5EF4-FFF2-40B4-BE49-F238E27FC236}">
-                <a16:creationId xmlns:a16="http://schemas.microsoft.com/office/drawing/2014/main" id="{EDDB0FA3-44AF-8140-E147-09A5382F47A9}"/>
-              </a:ext>
-            </a:extLst>
-          </p:cNvPr>
-          <p:cNvSpPr txBox="1"/>
-          <p:nvPr/>
-        </p:nvSpPr>
-        <p:spPr>
-          <a:xfrm>
-            <a:off x="4724805" y="1995721"/>
-            <a:ext cx="1828801" cy="261610"/>
-          </a:xfrm>
-          <a:prstGeom prst="rect">
-            <a:avLst/>
-          </a:prstGeom>
-          <a:solidFill>
-            <a:srgbClr val="FFD200"/>
-          </a:solidFill>
-          <a:ln>
-            <a:solidFill>
-              <a:srgbClr val="C0A000"/>
-            </a:solidFill>
-          </a:ln>
-        </p:spPr>
-        <p:txBody>
-          <a:bodyPr wrap="square" rtlCol="0" anchor="ctr">
-            <a:noAutofit/>
-          </a:bodyPr>
-          <a:lstStyle/>
-          <a:p>
-            <a:pPr algn="ctr"/>
-            <a:r>
-              <a:rPr lang="en-US" sz="1200" dirty="0">
-                <a:latin typeface="DejaVu Sans" panose="020B0603030804020204" pitchFamily="34" charset="0"/>
-                <a:ea typeface="DejaVu Sans" panose="020B0603030804020204" pitchFamily="34" charset="0"/>
-                <a:cs typeface="DejaVu Sans" panose="020B0603030804020204" pitchFamily="34" charset="0"/>
-              </a:rPr>
-              <a:t>Thermally active</a:t>
-            </a:r>
-          </a:p>
-        </p:txBody>
-      </p:sp>
-      <p:sp>
-        <p:nvSpPr>
-          <p:cNvPr id="15" name="TextBox 14">
-            <a:extLst>
-              <a:ext uri="{FF2B5EF4-FFF2-40B4-BE49-F238E27FC236}">
-                <a16:creationId xmlns:a16="http://schemas.microsoft.com/office/drawing/2014/main" id="{53EA501F-BB7D-D3EE-187E-43A374AAB1AA}"/>
-              </a:ext>
-            </a:extLst>
-          </p:cNvPr>
-          <p:cNvSpPr txBox="1"/>
-          <p:nvPr/>
-        </p:nvSpPr>
-        <p:spPr>
-          <a:xfrm>
-            <a:off x="6556953" y="1995721"/>
-            <a:ext cx="1828801" cy="261610"/>
-          </a:xfrm>
-          <a:prstGeom prst="rect">
-            <a:avLst/>
-          </a:prstGeom>
-          <a:solidFill>
-            <a:srgbClr val="FFD200"/>
-          </a:solidFill>
-          <a:ln>
-            <a:solidFill>
-              <a:srgbClr val="C0A000"/>
-            </a:solidFill>
-          </a:ln>
-        </p:spPr>
-        <p:txBody>
-          <a:bodyPr wrap="square" rtlCol="0" anchor="ctr">
-            <a:noAutofit/>
-          </a:bodyPr>
-          <a:lstStyle/>
-          <a:p>
-            <a:pPr algn="ctr"/>
-            <a:r>
-              <a:rPr lang="en-US" sz="1200" dirty="0">
-                <a:latin typeface="DejaVu Sans" panose="020B0603030804020204" pitchFamily="34" charset="0"/>
-                <a:ea typeface="DejaVu Sans" panose="020B0603030804020204" pitchFamily="34" charset="0"/>
-                <a:cs typeface="DejaVu Sans" panose="020B0603030804020204" pitchFamily="34" charset="0"/>
-              </a:rPr>
-              <a:t>Non-volatile</a:t>
-            </a:r>
-          </a:p>
-        </p:txBody>
-      </p:sp>
-      <p:sp>
-        <p:nvSpPr>
-          <p:cNvPr id="16" name="Rectangle 15">
-            <a:extLst>
-              <a:ext uri="{FF2B5EF4-FFF2-40B4-BE49-F238E27FC236}">
-                <a16:creationId xmlns:a16="http://schemas.microsoft.com/office/drawing/2014/main" id="{78BD8C3F-D73B-6DB5-3167-0701AF53C633}"/>
-              </a:ext>
-            </a:extLst>
-          </p:cNvPr>
-          <p:cNvSpPr/>
-          <p:nvPr/>
-        </p:nvSpPr>
-        <p:spPr>
-          <a:xfrm>
-            <a:off x="2449971" y="1472509"/>
-            <a:ext cx="1919238" cy="784829"/>
-          </a:xfrm>
-          <a:prstGeom prst="rect">
-            <a:avLst/>
-          </a:prstGeom>
-          <a:noFill/>
-          <a:ln w="28575">
-            <a:solidFill>
-              <a:schemeClr val="tx1"/>
-            </a:solidFill>
-          </a:ln>
-        </p:spPr>
-        <p:style>
-          <a:lnRef idx="2">
-            <a:schemeClr val="accent1">
-              <a:shade val="15000"/>
-            </a:schemeClr>
-          </a:lnRef>
-          <a:fillRef idx="1">
-            <a:schemeClr val="accent1"/>
-          </a:fillRef>
-          <a:effectRef idx="0">
-            <a:schemeClr val="accent1"/>
-          </a:effectRef>
-          <a:fontRef idx="minor">
-            <a:schemeClr val="lt1"/>
-          </a:fontRef>
-        </p:style>
-        <p:txBody>
-          <a:bodyPr rtlCol="0" anchor="ctr">
-            <a:noAutofit/>
-          </a:bodyPr>
-          <a:lstStyle/>
-          <a:p>
-            <a:pPr algn="ctr"/>
-            <a:endParaRPr lang="en-US" sz="1400">
-              <a:latin typeface="DejaVu Sans" panose="020B0603030804020204" pitchFamily="34" charset="0"/>
-              <a:ea typeface="DejaVu Sans" panose="020B0603030804020204" pitchFamily="34" charset="0"/>
-              <a:cs typeface="DejaVu Sans" panose="020B0603030804020204" pitchFamily="34" charset="0"/>
-            </a:endParaRPr>
-          </a:p>
-        </p:txBody>
-      </p:sp>
-      <p:sp>
-        <p:nvSpPr>
-          <p:cNvPr id="17" name="Rectangle 16">
-            <a:extLst>
-              <a:ext uri="{FF2B5EF4-FFF2-40B4-BE49-F238E27FC236}">
-                <a16:creationId xmlns:a16="http://schemas.microsoft.com/office/drawing/2014/main" id="{780FA5D8-3DBD-27F5-DF45-F8F52CDB1056}"/>
-              </a:ext>
-            </a:extLst>
-          </p:cNvPr>
-          <p:cNvSpPr/>
-          <p:nvPr/>
-        </p:nvSpPr>
-        <p:spPr>
-          <a:xfrm>
-            <a:off x="4724805" y="1472501"/>
-            <a:ext cx="3660947" cy="784830"/>
-          </a:xfrm>
-          <a:prstGeom prst="rect">
-            <a:avLst/>
-          </a:prstGeom>
-          <a:noFill/>
-          <a:ln w="28575">
-            <a:solidFill>
-              <a:schemeClr val="tx1"/>
-            </a:solidFill>
-          </a:ln>
-        </p:spPr>
-        <p:style>
-          <a:lnRef idx="2">
-            <a:schemeClr val="accent1">
-              <a:shade val="15000"/>
-            </a:schemeClr>
-          </a:lnRef>
-          <a:fillRef idx="1">
-            <a:schemeClr val="accent1"/>
-          </a:fillRef>
-          <a:effectRef idx="0">
-            <a:schemeClr val="accent1"/>
-          </a:effectRef>
-          <a:fontRef idx="minor">
-            <a:schemeClr val="lt1"/>
-          </a:fontRef>
-        </p:style>
-        <p:txBody>
-          <a:bodyPr rtlCol="0" anchor="ctr">
-            <a:noAutofit/>
-          </a:bodyPr>
-          <a:lstStyle/>
-          <a:p>
-            <a:pPr algn="ctr"/>
-            <a:endParaRPr lang="en-US" sz="1400">
-              <a:latin typeface="DejaVu Sans" panose="020B0603030804020204" pitchFamily="34" charset="0"/>
-              <a:ea typeface="DejaVu Sans" panose="020B0603030804020204" pitchFamily="34" charset="0"/>
-              <a:cs typeface="DejaVu Sans" panose="020B0603030804020204" pitchFamily="34" charset="0"/>
-            </a:endParaRPr>
-          </a:p>
-        </p:txBody>
-      </p:sp>
-      <p:cxnSp>
-        <p:nvCxnSpPr>
-          <p:cNvPr id="18" name="Connector: Elbow 17">
-            <a:extLst>
-              <a:ext uri="{FF2B5EF4-FFF2-40B4-BE49-F238E27FC236}">
-                <a16:creationId xmlns:a16="http://schemas.microsoft.com/office/drawing/2014/main" id="{D8E4EFC4-BBE4-8F7E-E363-89B5AD3F9ED3}"/>
-              </a:ext>
-            </a:extLst>
-          </p:cNvPr>
-          <p:cNvCxnSpPr>
-            <a:cxnSpLocks/>
-            <a:stCxn id="6" idx="3"/>
-            <a:endCxn id="17" idx="0"/>
-          </p:cNvCxnSpPr>
-          <p:nvPr/>
-        </p:nvCxnSpPr>
-        <p:spPr>
-          <a:xfrm>
-            <a:off x="6095329" y="536897"/>
-            <a:ext cx="459948" cy="935604"/>
-          </a:xfrm>
-          <a:prstGeom prst="bentConnector2">
-            <a:avLst/>
-          </a:prstGeom>
-          <a:ln w="28575">
-            <a:tailEnd type="triangle" w="lg" len="lg"/>
-          </a:ln>
-        </p:spPr>
-        <p:style>
-          <a:lnRef idx="2">
-            <a:schemeClr val="dk1"/>
-          </a:lnRef>
-          <a:fillRef idx="0">
-            <a:schemeClr val="dk1"/>
-          </a:fillRef>
-          <a:effectRef idx="1">
-            <a:schemeClr val="dk1"/>
-          </a:effectRef>
-          <a:fontRef idx="minor">
-            <a:schemeClr val="tx1"/>
-          </a:fontRef>
-        </p:style>
-      </p:cxnSp>
-      <p:cxnSp>
-        <p:nvCxnSpPr>
-          <p:cNvPr id="19" name="Connector: Elbow 18">
-            <a:extLst>
-              <a:ext uri="{FF2B5EF4-FFF2-40B4-BE49-F238E27FC236}">
-                <a16:creationId xmlns:a16="http://schemas.microsoft.com/office/drawing/2014/main" id="{90C0932F-132F-C0EA-B9B0-87758CA2C8C1}"/>
-              </a:ext>
-            </a:extLst>
-          </p:cNvPr>
-          <p:cNvCxnSpPr>
-            <a:cxnSpLocks/>
-            <a:stCxn id="7" idx="3"/>
-            <a:endCxn id="17" idx="0"/>
-          </p:cNvCxnSpPr>
-          <p:nvPr/>
-        </p:nvCxnSpPr>
-        <p:spPr>
-          <a:xfrm>
-            <a:off x="6095329" y="790811"/>
-            <a:ext cx="459948" cy="681690"/>
-          </a:xfrm>
-          <a:prstGeom prst="bentConnector2">
-            <a:avLst/>
-          </a:prstGeom>
-          <a:ln w="28575">
-            <a:tailEnd type="triangle" w="lg" len="lg"/>
-          </a:ln>
-        </p:spPr>
-        <p:style>
-          <a:lnRef idx="2">
-            <a:schemeClr val="dk1"/>
-          </a:lnRef>
-          <a:fillRef idx="0">
-            <a:schemeClr val="dk1"/>
-          </a:fillRef>
-          <a:effectRef idx="1">
-            <a:schemeClr val="dk1"/>
-          </a:effectRef>
-          <a:fontRef idx="minor">
-            <a:schemeClr val="tx1"/>
-          </a:fontRef>
-        </p:style>
-      </p:cxnSp>
-      <p:sp>
-        <p:nvSpPr>
-          <p:cNvPr id="20" name="TextBox 19">
-            <a:extLst>
-              <a:ext uri="{FF2B5EF4-FFF2-40B4-BE49-F238E27FC236}">
-                <a16:creationId xmlns:a16="http://schemas.microsoft.com/office/drawing/2014/main" id="{A09072C5-89C6-EA8C-238D-A4B4FF0C6C7F}"/>
-              </a:ext>
-            </a:extLst>
-          </p:cNvPr>
-          <p:cNvSpPr txBox="1"/>
-          <p:nvPr/>
-        </p:nvSpPr>
-        <p:spPr>
-          <a:xfrm>
-            <a:off x="3409595" y="2982212"/>
-            <a:ext cx="3144010" cy="307766"/>
-          </a:xfrm>
-          <a:prstGeom prst="rect">
-            <a:avLst/>
-          </a:prstGeom>
-          <a:solidFill>
-            <a:srgbClr val="FFD200"/>
-          </a:solidFill>
-        </p:spPr>
-        <p:txBody>
-          <a:bodyPr wrap="square" rtlCol="0" anchor="ctr">
-            <a:noAutofit/>
-          </a:bodyPr>
-          <a:lstStyle/>
-          <a:p>
-            <a:pPr algn="ctr"/>
-            <a:r>
-              <a:rPr lang="en-US" sz="1400" b="1" dirty="0">
-                <a:latin typeface="DejaVu Sans" panose="020B0603030804020204" pitchFamily="34" charset="0"/>
-                <a:ea typeface="DejaVu Sans" panose="020B0603030804020204" pitchFamily="34" charset="0"/>
-                <a:cs typeface="DejaVu Sans" panose="020B0603030804020204" pitchFamily="34" charset="0"/>
-              </a:rPr>
-              <a:t>4. Conclusion and outlook</a:t>
-            </a:r>
-          </a:p>
-        </p:txBody>
-      </p:sp>
-      <p:cxnSp>
-        <p:nvCxnSpPr>
-          <p:cNvPr id="21" name="Connector: Elbow 20">
-            <a:extLst>
-              <a:ext uri="{FF2B5EF4-FFF2-40B4-BE49-F238E27FC236}">
-                <a16:creationId xmlns:a16="http://schemas.microsoft.com/office/drawing/2014/main" id="{68FA7322-5593-B3C0-5C2D-5F63E7DB1F81}"/>
-              </a:ext>
-            </a:extLst>
-          </p:cNvPr>
-          <p:cNvCxnSpPr>
-            <a:cxnSpLocks/>
-            <a:stCxn id="17" idx="2"/>
-            <a:endCxn id="20" idx="0"/>
-          </p:cNvCxnSpPr>
-          <p:nvPr/>
-        </p:nvCxnSpPr>
-        <p:spPr>
-          <a:xfrm rot="5400000">
-            <a:off x="5406003" y="1832941"/>
-            <a:ext cx="724881" cy="1573673"/>
-          </a:xfrm>
-          <a:prstGeom prst="bentConnector3">
-            <a:avLst>
-              <a:gd name="adj1" fmla="val 50000"/>
-            </a:avLst>
-          </a:prstGeom>
-          <a:ln w="28575">
-            <a:tailEnd type="triangle" w="lg" len="lg"/>
-          </a:ln>
-        </p:spPr>
-        <p:style>
-          <a:lnRef idx="2">
-            <a:schemeClr val="dk1"/>
-          </a:lnRef>
-          <a:fillRef idx="0">
-            <a:schemeClr val="dk1"/>
-          </a:fillRef>
-          <a:effectRef idx="1">
-            <a:schemeClr val="dk1"/>
-          </a:effectRef>
-          <a:fontRef idx="minor">
-            <a:schemeClr val="tx1"/>
-          </a:fontRef>
-        </p:style>
-      </p:cxnSp>
-      <p:cxnSp>
-        <p:nvCxnSpPr>
-          <p:cNvPr id="22" name="Connector: Elbow 21">
-            <a:extLst>
-              <a:ext uri="{FF2B5EF4-FFF2-40B4-BE49-F238E27FC236}">
-                <a16:creationId xmlns:a16="http://schemas.microsoft.com/office/drawing/2014/main" id="{D72D83EB-8F1E-8060-3E7C-F4C9D1CA0266}"/>
-              </a:ext>
-            </a:extLst>
-          </p:cNvPr>
-          <p:cNvCxnSpPr>
-            <a:cxnSpLocks/>
-            <a:stCxn id="16" idx="2"/>
-            <a:endCxn id="20" idx="0"/>
-          </p:cNvCxnSpPr>
-          <p:nvPr/>
-        </p:nvCxnSpPr>
-        <p:spPr>
-          <a:xfrm rot="16200000" flipH="1">
-            <a:off x="3833155" y="1833767"/>
-            <a:ext cx="724880" cy="1572010"/>
-          </a:xfrm>
-          <a:prstGeom prst="bentConnector3">
-            <a:avLst>
-              <a:gd name="adj1" fmla="val 50000"/>
-            </a:avLst>
-          </a:prstGeom>
-          <a:ln w="28575">
-            <a:tailEnd type="triangle" w="lg" len="lg"/>
-          </a:ln>
-        </p:spPr>
-        <p:style>
-          <a:lnRef idx="2">
-            <a:schemeClr val="dk1"/>
-          </a:lnRef>
-          <a:fillRef idx="0">
-            <a:schemeClr val="dk1"/>
-          </a:fillRef>
-          <a:effectRef idx="1">
-            <a:schemeClr val="dk1"/>
-          </a:effectRef>
-          <a:fontRef idx="minor">
-            <a:schemeClr val="tx1"/>
-          </a:fontRef>
-        </p:style>
-      </p:cxnSp>
-      <p:sp>
-        <p:nvSpPr>
-          <p:cNvPr id="23" name="Rectangle 22">
-            <a:extLst>
-              <a:ext uri="{FF2B5EF4-FFF2-40B4-BE49-F238E27FC236}">
-                <a16:creationId xmlns:a16="http://schemas.microsoft.com/office/drawing/2014/main" id="{38715DC3-AB93-905B-2A69-9A27F9E56E15}"/>
-              </a:ext>
-            </a:extLst>
-          </p:cNvPr>
-          <p:cNvSpPr/>
-          <p:nvPr/>
-        </p:nvSpPr>
-        <p:spPr>
-          <a:xfrm>
-            <a:off x="3409597" y="2982212"/>
-            <a:ext cx="3144009" cy="307766"/>
-          </a:xfrm>
-          <a:prstGeom prst="rect">
-            <a:avLst/>
-          </a:prstGeom>
-          <a:noFill/>
-          <a:ln w="28575">
-            <a:solidFill>
-              <a:schemeClr val="tx1"/>
-            </a:solidFill>
-          </a:ln>
-        </p:spPr>
-        <p:style>
-          <a:lnRef idx="2">
-            <a:schemeClr val="accent1">
-              <a:shade val="15000"/>
-            </a:schemeClr>
-          </a:lnRef>
-          <a:fillRef idx="1">
-            <a:schemeClr val="accent1"/>
-          </a:fillRef>
-          <a:effectRef idx="0">
-            <a:schemeClr val="accent1"/>
-          </a:effectRef>
-          <a:fontRef idx="minor">
-            <a:schemeClr val="lt1"/>
-          </a:fontRef>
-        </p:style>
-        <p:txBody>
-          <a:bodyPr rtlCol="0" anchor="ctr">
-            <a:noAutofit/>
-          </a:bodyPr>
-          <a:lstStyle/>
-          <a:p>
-            <a:pPr algn="ctr"/>
-            <a:endParaRPr lang="en-US" sz="1400">
-              <a:latin typeface="DejaVu Sans" panose="020B0603030804020204" pitchFamily="34" charset="0"/>
-              <a:ea typeface="DejaVu Sans" panose="020B0603030804020204" pitchFamily="34" charset="0"/>
-              <a:cs typeface="DejaVu Sans" panose="020B0603030804020204" pitchFamily="34" charset="0"/>
-            </a:endParaRPr>
-          </a:p>
-        </p:txBody>
-      </p:sp>
-      <p:cxnSp>
-        <p:nvCxnSpPr>
-          <p:cNvPr id="24" name="Connector: Elbow 23">
-            <a:extLst>
-              <a:ext uri="{FF2B5EF4-FFF2-40B4-BE49-F238E27FC236}">
-                <a16:creationId xmlns:a16="http://schemas.microsoft.com/office/drawing/2014/main" id="{C4A1CDCE-F26A-D6D8-9207-C5C94D307822}"/>
-              </a:ext>
-            </a:extLst>
-          </p:cNvPr>
-          <p:cNvCxnSpPr>
-            <a:cxnSpLocks/>
-            <a:stCxn id="16" idx="3"/>
-            <a:endCxn id="17" idx="1"/>
-          </p:cNvCxnSpPr>
-          <p:nvPr/>
-        </p:nvCxnSpPr>
-        <p:spPr>
-          <a:xfrm flipV="1">
-            <a:off x="4369209" y="1864916"/>
-            <a:ext cx="355590" cy="2"/>
-          </a:xfrm>
-          <a:prstGeom prst="bentConnector3">
-            <a:avLst>
-              <a:gd name="adj1" fmla="val 50000"/>
-            </a:avLst>
-          </a:prstGeom>
-          <a:ln w="28575">
-            <a:tailEnd type="triangle" w="lg" len="lg"/>
-          </a:ln>
-        </p:spPr>
-        <p:style>
-          <a:lnRef idx="2">
-            <a:schemeClr val="dk1"/>
-          </a:lnRef>
-          <a:fillRef idx="0">
-            <a:schemeClr val="dk1"/>
-          </a:fillRef>
-          <a:effectRef idx="1">
-            <a:schemeClr val="dk1"/>
-          </a:effectRef>
-          <a:fontRef idx="minor">
-            <a:schemeClr val="tx1"/>
-          </a:fontRef>
-        </p:style>
-      </p:cxnSp>
-      <p:sp>
-        <p:nvSpPr>
-          <p:cNvPr id="25" name="TextBox 24">
-            <a:extLst>
-              <a:ext uri="{FF2B5EF4-FFF2-40B4-BE49-F238E27FC236}">
-                <a16:creationId xmlns:a16="http://schemas.microsoft.com/office/drawing/2014/main" id="{A17239F7-97F3-B5AE-0E2C-E98B52F1CFBD}"/>
-              </a:ext>
-            </a:extLst>
-          </p:cNvPr>
-          <p:cNvSpPr txBox="1"/>
-          <p:nvPr/>
-        </p:nvSpPr>
-        <p:spPr>
-          <a:xfrm>
-            <a:off x="90775" y="2461773"/>
-            <a:ext cx="2887339" cy="307777"/>
-          </a:xfrm>
-          <a:prstGeom prst="rect">
-            <a:avLst/>
-          </a:prstGeom>
-          <a:solidFill>
-            <a:schemeClr val="bg1">
-              <a:lumMod val="75000"/>
-            </a:schemeClr>
-          </a:solidFill>
-          <a:ln>
-            <a:solidFill>
-              <a:schemeClr val="bg1">
-                <a:lumMod val="50000"/>
-              </a:schemeClr>
-            </a:solidFill>
-          </a:ln>
-        </p:spPr>
-        <p:txBody>
-          <a:bodyPr wrap="square" rtlCol="0" anchor="ctr">
-            <a:noAutofit/>
-          </a:bodyPr>
-          <a:lstStyle/>
-          <a:p>
-            <a:pPr algn="ctr"/>
-            <a:r>
-              <a:rPr lang="en-US" sz="1400" b="1" dirty="0">
-                <a:latin typeface="DejaVu Sans" panose="020B0603030804020204" pitchFamily="34" charset="0"/>
-                <a:ea typeface="DejaVu Sans" panose="020B0603030804020204" pitchFamily="34" charset="0"/>
-                <a:cs typeface="DejaVu Sans" panose="020B0603030804020204" pitchFamily="34" charset="0"/>
-              </a:rPr>
-              <a:t>Appendices</a:t>
-            </a:r>
-          </a:p>
-        </p:txBody>
-      </p:sp>
-      <p:sp>
-        <p:nvSpPr>
-          <p:cNvPr id="26" name="TextBox 25">
-            <a:extLst>
-              <a:ext uri="{FF2B5EF4-FFF2-40B4-BE49-F238E27FC236}">
-                <a16:creationId xmlns:a16="http://schemas.microsoft.com/office/drawing/2014/main" id="{83DC129E-CE4C-6015-3B3F-85C0A07EEA7B}"/>
-              </a:ext>
-            </a:extLst>
-          </p:cNvPr>
-          <p:cNvSpPr txBox="1"/>
-          <p:nvPr/>
-        </p:nvSpPr>
-        <p:spPr>
-          <a:xfrm>
-            <a:off x="87428" y="2769542"/>
-            <a:ext cx="2887339" cy="261610"/>
-          </a:xfrm>
-          <a:prstGeom prst="rect">
-            <a:avLst/>
-          </a:prstGeom>
-          <a:solidFill>
-            <a:schemeClr val="bg1">
-              <a:lumMod val="75000"/>
-            </a:schemeClr>
-          </a:solidFill>
-          <a:ln>
-            <a:solidFill>
-              <a:schemeClr val="bg1">
-                <a:lumMod val="50000"/>
-              </a:schemeClr>
-            </a:solidFill>
-          </a:ln>
-        </p:spPr>
-        <p:txBody>
-          <a:bodyPr wrap="square" rtlCol="0" anchor="ctr">
-            <a:noAutofit/>
-          </a:bodyPr>
-          <a:lstStyle/>
-          <a:p>
-            <a:pPr algn="ctr"/>
-            <a:r>
-              <a:rPr lang="en-US" sz="1200" b="1" dirty="0">
-                <a:latin typeface="DejaVu Sans" panose="020B0603030804020204" pitchFamily="34" charset="0"/>
-                <a:ea typeface="DejaVu Sans" panose="020B0603030804020204" pitchFamily="34" charset="0"/>
-                <a:cs typeface="DejaVu Sans" panose="020B0603030804020204" pitchFamily="34" charset="0"/>
-              </a:rPr>
-              <a:t>A.</a:t>
-            </a:r>
-            <a:r>
-              <a:rPr lang="en-US" sz="1200" dirty="0">
-                <a:latin typeface="DejaVu Sans" panose="020B0603030804020204" pitchFamily="34" charset="0"/>
-                <a:ea typeface="DejaVu Sans" panose="020B0603030804020204" pitchFamily="34" charset="0"/>
-                <a:cs typeface="DejaVu Sans" panose="020B0603030804020204" pitchFamily="34" charset="0"/>
-              </a:rPr>
-              <a:t> Metropolis selection algorithms</a:t>
-            </a:r>
-          </a:p>
-        </p:txBody>
-      </p:sp>
-      <p:sp>
-        <p:nvSpPr>
-          <p:cNvPr id="27" name="TextBox 26">
-            <a:extLst>
-              <a:ext uri="{FF2B5EF4-FFF2-40B4-BE49-F238E27FC236}">
-                <a16:creationId xmlns:a16="http://schemas.microsoft.com/office/drawing/2014/main" id="{7E3B74BA-1089-EDD8-A68B-212B9239D0BD}"/>
-              </a:ext>
-            </a:extLst>
-          </p:cNvPr>
-          <p:cNvSpPr txBox="1"/>
-          <p:nvPr/>
-        </p:nvSpPr>
-        <p:spPr>
-          <a:xfrm>
-            <a:off x="87428" y="3028377"/>
-            <a:ext cx="2887339" cy="261610"/>
-          </a:xfrm>
-          <a:prstGeom prst="rect">
-            <a:avLst/>
-          </a:prstGeom>
-          <a:solidFill>
-            <a:schemeClr val="bg1">
-              <a:lumMod val="75000"/>
-            </a:schemeClr>
-          </a:solidFill>
-          <a:ln>
-            <a:solidFill>
-              <a:schemeClr val="bg1">
-                <a:lumMod val="50000"/>
-              </a:schemeClr>
-            </a:solidFill>
-          </a:ln>
-        </p:spPr>
-        <p:txBody>
-          <a:bodyPr wrap="square" rtlCol="0" anchor="ctr">
-            <a:noAutofit/>
-          </a:bodyPr>
-          <a:lstStyle/>
-          <a:p>
-            <a:pPr algn="ctr"/>
-            <a:r>
-              <a:rPr lang="en-US" sz="1200" b="1" dirty="0">
-                <a:latin typeface="DejaVu Sans" panose="020B0603030804020204" pitchFamily="34" charset="0"/>
-                <a:ea typeface="DejaVu Sans" panose="020B0603030804020204" pitchFamily="34" charset="0"/>
-                <a:cs typeface="DejaVu Sans" panose="020B0603030804020204" pitchFamily="34" charset="0"/>
-              </a:rPr>
-              <a:t>B. </a:t>
-            </a:r>
-            <a:r>
-              <a:rPr lang="en-US" sz="1200" dirty="0">
-                <a:latin typeface="DejaVu Sans" panose="020B0603030804020204" pitchFamily="34" charset="0"/>
-                <a:ea typeface="DejaVu Sans" panose="020B0603030804020204" pitchFamily="34" charset="0"/>
-                <a:cs typeface="DejaVu Sans" panose="020B0603030804020204" pitchFamily="34" charset="0"/>
-              </a:rPr>
-              <a:t>Hotspice structure and interface</a:t>
-            </a:r>
-          </a:p>
-        </p:txBody>
-      </p:sp>
-      <p:sp>
-        <p:nvSpPr>
-          <p:cNvPr id="28" name="Rectangle 27">
-            <a:extLst>
-              <a:ext uri="{FF2B5EF4-FFF2-40B4-BE49-F238E27FC236}">
-                <a16:creationId xmlns:a16="http://schemas.microsoft.com/office/drawing/2014/main" id="{6549931D-8970-88CE-93FE-074F187617F8}"/>
-              </a:ext>
-            </a:extLst>
-          </p:cNvPr>
-          <p:cNvSpPr/>
-          <p:nvPr/>
-        </p:nvSpPr>
-        <p:spPr>
-          <a:xfrm>
-            <a:off x="90764" y="2461694"/>
-            <a:ext cx="2883996" cy="828301"/>
-          </a:xfrm>
-          <a:prstGeom prst="rect">
-            <a:avLst/>
-          </a:prstGeom>
-          <a:noFill/>
-          <a:ln w="28575">
-            <a:solidFill>
-              <a:schemeClr val="tx1"/>
-            </a:solidFill>
-          </a:ln>
-        </p:spPr>
-        <p:style>
-          <a:lnRef idx="2">
-            <a:schemeClr val="accent1">
-              <a:shade val="15000"/>
-            </a:schemeClr>
-          </a:lnRef>
-          <a:fillRef idx="1">
-            <a:schemeClr val="accent1"/>
-          </a:fillRef>
-          <a:effectRef idx="0">
-            <a:schemeClr val="accent1"/>
-          </a:effectRef>
-          <a:fontRef idx="minor">
-            <a:schemeClr val="lt1"/>
-          </a:fontRef>
-        </p:style>
-        <p:txBody>
-          <a:bodyPr rtlCol="0" anchor="ctr">
-            <a:noAutofit/>
-          </a:bodyPr>
-          <a:lstStyle/>
-          <a:p>
-            <a:pPr algn="ctr"/>
-            <a:endParaRPr lang="en-US" sz="1400">
-              <a:latin typeface="DejaVu Sans" panose="020B0603030804020204" pitchFamily="34" charset="0"/>
-              <a:ea typeface="DejaVu Sans" panose="020B0603030804020204" pitchFamily="34" charset="0"/>
-              <a:cs typeface="DejaVu Sans" panose="020B0603030804020204" pitchFamily="34" charset="0"/>
-            </a:endParaRPr>
-          </a:p>
-        </p:txBody>
-      </p:sp>
-      <p:cxnSp>
-        <p:nvCxnSpPr>
-          <p:cNvPr id="29" name="Connector: Elbow 28">
-            <a:extLst>
-              <a:ext uri="{FF2B5EF4-FFF2-40B4-BE49-F238E27FC236}">
-                <a16:creationId xmlns:a16="http://schemas.microsoft.com/office/drawing/2014/main" id="{D0276443-4D43-F20F-FAFD-6895964C30D5}"/>
-              </a:ext>
-            </a:extLst>
-          </p:cNvPr>
-          <p:cNvCxnSpPr>
-            <a:cxnSpLocks/>
-            <a:stCxn id="16" idx="1"/>
-          </p:cNvCxnSpPr>
-          <p:nvPr/>
-        </p:nvCxnSpPr>
-        <p:spPr>
-          <a:xfrm rot="10800000" flipV="1">
-            <a:off x="1610333" y="1864923"/>
-            <a:ext cx="839649" cy="596769"/>
-          </a:xfrm>
-          <a:prstGeom prst="bentConnector2">
-            <a:avLst/>
-          </a:prstGeom>
-          <a:ln w="28575">
-            <a:tailEnd type="triangle" w="lg" len="lg"/>
-          </a:ln>
-        </p:spPr>
-        <p:style>
-          <a:lnRef idx="2">
-            <a:schemeClr val="dk1"/>
-          </a:lnRef>
-          <a:fillRef idx="0">
-            <a:schemeClr val="dk1"/>
-          </a:fillRef>
-          <a:effectRef idx="1">
-            <a:schemeClr val="dk1"/>
-          </a:effectRef>
-          <a:fontRef idx="minor">
-            <a:schemeClr val="tx1"/>
-          </a:fontRef>
-        </p:style>
-      </p:cxnSp>
+            </a:fontRef>
+          </p:style>
+        </p:cxnSp>
+      </p:grpSp>
     </p:spTree>
     <p:extLst>
       <p:ext uri="{BB962C8B-B14F-4D97-AF65-F5344CB8AC3E}">
